--- a/Docs/[자유시간쿠키맛] WK_DEM 시스템.pptx
+++ b/Docs/[자유시간쿠키맛] WK_DEM 시스템.pptx
@@ -5,7 +5,7 @@
     <p:sldMasterId id="2147483648" r:id="rId1"/>
   </p:sldMasterIdLst>
   <p:notesMasterIdLst>
-    <p:notesMasterId r:id="rId11"/>
+    <p:notesMasterId r:id="rId12"/>
   </p:notesMasterIdLst>
   <p:sldIdLst>
     <p:sldId id="269" r:id="rId2"/>
@@ -17,6 +17,7 @@
     <p:sldId id="372" r:id="rId8"/>
     <p:sldId id="373" r:id="rId9"/>
     <p:sldId id="374" r:id="rId10"/>
+    <p:sldId id="375" r:id="rId11"/>
   </p:sldIdLst>
   <p:sldSz cx="12192000" cy="6858000"/>
   <p:notesSz cx="6858000" cy="9144000"/>
@@ -246,7 +247,7 @@
           <a:p>
             <a:fld id="{EC1785B3-4195-4809-B25D-B9365DD23D2A}" type="datetimeFigureOut">
               <a:rPr lang="ko-KR" altLang="en-US" smtClean="0"/>
-              <a:t>2023-10-07</a:t>
+              <a:t>2023-10-19</a:t>
             </a:fld>
             <a:endParaRPr lang="ko-KR" altLang="en-US"/>
           </a:p>
@@ -1101,6 +1102,90 @@
 </p:notes>
 </file>
 
+<file path=ppt/notesSlides/notesSlide8.xml><?xml version="1.0" encoding="utf-8"?>
+<p:notes xmlns:a="http://schemas.openxmlformats.org/drawingml/2006/main" xmlns:r="http://schemas.openxmlformats.org/officeDocument/2006/relationships" xmlns:p="http://schemas.openxmlformats.org/presentationml/2006/main">
+  <p:cSld>
+    <p:spTree>
+      <p:nvGrpSpPr>
+        <p:cNvPr id="1" name=""/>
+        <p:cNvGrpSpPr/>
+        <p:nvPr/>
+      </p:nvGrpSpPr>
+      <p:grpSpPr>
+        <a:xfrm>
+          <a:off x="0" y="0"/>
+          <a:ext cx="0" cy="0"/>
+          <a:chOff x="0" y="0"/>
+          <a:chExt cx="0" cy="0"/>
+        </a:xfrm>
+      </p:grpSpPr>
+      <p:sp>
+        <p:nvSpPr>
+          <p:cNvPr id="2" name="슬라이드 이미지 개체 틀 1"/>
+          <p:cNvSpPr>
+            <a:spLocks noGrp="1" noRot="1" noChangeAspect="1"/>
+          </p:cNvSpPr>
+          <p:nvPr>
+            <p:ph type="sldImg"/>
+          </p:nvPr>
+        </p:nvSpPr>
+        <p:spPr/>
+      </p:sp>
+      <p:sp>
+        <p:nvSpPr>
+          <p:cNvPr id="3" name="슬라이드 노트 개체 틀 2"/>
+          <p:cNvSpPr>
+            <a:spLocks noGrp="1"/>
+          </p:cNvSpPr>
+          <p:nvPr>
+            <p:ph type="body" idx="1"/>
+          </p:nvPr>
+        </p:nvSpPr>
+        <p:spPr/>
+        <p:txBody>
+          <a:bodyPr/>
+          <a:lstStyle/>
+          <a:p>
+            <a:endParaRPr lang="ko-KR" altLang="en-US" dirty="0"/>
+          </a:p>
+        </p:txBody>
+      </p:sp>
+      <p:sp>
+        <p:nvSpPr>
+          <p:cNvPr id="4" name="슬라이드 번호 개체 틀 3"/>
+          <p:cNvSpPr>
+            <a:spLocks noGrp="1"/>
+          </p:cNvSpPr>
+          <p:nvPr>
+            <p:ph type="sldNum" sz="quarter" idx="5"/>
+          </p:nvPr>
+        </p:nvSpPr>
+        <p:spPr/>
+        <p:txBody>
+          <a:bodyPr/>
+          <a:lstStyle/>
+          <a:p>
+            <a:fld id="{1D865509-D8F5-4C2B-83CE-8719DB429044}" type="slidenum">
+              <a:rPr lang="ko-KR" altLang="en-US" smtClean="0"/>
+              <a:t>10</a:t>
+            </a:fld>
+            <a:endParaRPr lang="ko-KR" altLang="en-US"/>
+          </a:p>
+        </p:txBody>
+      </p:sp>
+    </p:spTree>
+    <p:extLst>
+      <p:ext uri="{BB962C8B-B14F-4D97-AF65-F5344CB8AC3E}">
+        <p14:creationId xmlns:p14="http://schemas.microsoft.com/office/powerpoint/2010/main" val="3674463741"/>
+      </p:ext>
+    </p:extLst>
+  </p:cSld>
+  <p:clrMapOvr>
+    <a:masterClrMapping/>
+  </p:clrMapOvr>
+</p:notes>
+</file>
+
 <file path=ppt/slideLayouts/slideLayout1.xml><?xml version="1.0" encoding="utf-8"?>
 <p:sldLayout xmlns:a="http://schemas.openxmlformats.org/drawingml/2006/main" xmlns:r="http://schemas.openxmlformats.org/officeDocument/2006/relationships" xmlns:p="http://schemas.openxmlformats.org/presentationml/2006/main" preserve="1" userDrawn="1">
   <p:cSld name="사용자 지정 레이아웃">
@@ -2347,6 +2432,2569 @@
     <p:extLst>
       <p:ext uri="{BB962C8B-B14F-4D97-AF65-F5344CB8AC3E}">
         <p14:creationId xmlns:p14="http://schemas.microsoft.com/office/powerpoint/2010/main" val="1802892237"/>
+      </p:ext>
+    </p:extLst>
+  </p:cSld>
+  <p:clrMapOvr>
+    <a:masterClrMapping/>
+  </p:clrMapOvr>
+</p:sld>
+</file>
+
+<file path=ppt/slides/slide10.xml><?xml version="1.0" encoding="utf-8"?>
+<p:sld xmlns:a="http://schemas.openxmlformats.org/drawingml/2006/main" xmlns:r="http://schemas.openxmlformats.org/officeDocument/2006/relationships" xmlns:p="http://schemas.openxmlformats.org/presentationml/2006/main">
+  <p:cSld>
+    <p:spTree>
+      <p:nvGrpSpPr>
+        <p:cNvPr id="1" name=""/>
+        <p:cNvGrpSpPr/>
+        <p:nvPr/>
+      </p:nvGrpSpPr>
+      <p:grpSpPr>
+        <a:xfrm>
+          <a:off x="0" y="0"/>
+          <a:ext cx="0" cy="0"/>
+          <a:chOff x="0" y="0"/>
+          <a:chExt cx="0" cy="0"/>
+        </a:xfrm>
+      </p:grpSpPr>
+      <p:sp>
+        <p:nvSpPr>
+          <p:cNvPr id="4" name="제목 1">
+            <a:extLst>
+              <a:ext uri="{FF2B5EF4-FFF2-40B4-BE49-F238E27FC236}">
+                <a16:creationId xmlns:a16="http://schemas.microsoft.com/office/drawing/2014/main" id="{91AD3464-BB9F-E4E4-8652-56FF5BE3F606}"/>
+              </a:ext>
+            </a:extLst>
+          </p:cNvPr>
+          <p:cNvSpPr txBox="1">
+            <a:spLocks/>
+          </p:cNvSpPr>
+          <p:nvPr/>
+        </p:nvSpPr>
+        <p:spPr>
+          <a:xfrm>
+            <a:off x="276225" y="60960"/>
+            <a:ext cx="7105650" cy="510379"/>
+          </a:xfrm>
+          <a:prstGeom prst="rect">
+            <a:avLst/>
+          </a:prstGeom>
+        </p:spPr>
+        <p:txBody>
+          <a:bodyPr anchor="ctr"/>
+          <a:lstStyle>
+            <a:lvl1pPr algn="r" defTabSz="914400" rtl="0" eaLnBrk="1" latinLnBrk="1" hangingPunct="1">
+              <a:lnSpc>
+                <a:spcPct val="90000"/>
+              </a:lnSpc>
+              <a:spcBef>
+                <a:spcPct val="0"/>
+              </a:spcBef>
+              <a:buNone/>
+              <a:defRPr sz="2000" b="0" i="0" kern="1200">
+                <a:solidFill>
+                  <a:schemeClr val="bg1"/>
+                </a:solidFill>
+                <a:latin typeface="+mj-lt"/>
+                <a:ea typeface="빛의 계승자 Bold" panose="020B0600000101010101"/>
+                <a:cs typeface="+mj-cs"/>
+              </a:defRPr>
+            </a:lvl1pPr>
+          </a:lstStyle>
+          <a:p>
+            <a:pPr algn="l"/>
+            <a:r>
+              <a:rPr lang="en-US" altLang="ko-KR" sz="2400" b="1" dirty="0">
+                <a:latin typeface="나눔스퀘어_ac Light" panose="020B0600000101010101" pitchFamily="50" charset="-127"/>
+                <a:ea typeface="나눔스퀘어_ac Light" panose="020B0600000101010101" pitchFamily="50" charset="-127"/>
+                <a:cs typeface="+mn-cs"/>
+              </a:rPr>
+              <a:t>DEM </a:t>
+            </a:r>
+            <a:r>
+              <a:rPr lang="ko-KR" altLang="en-US" sz="2400" b="1" dirty="0">
+                <a:latin typeface="나눔스퀘어_ac Light" panose="020B0600000101010101" pitchFamily="50" charset="-127"/>
+                <a:ea typeface="나눔스퀘어_ac Light" panose="020B0600000101010101" pitchFamily="50" charset="-127"/>
+                <a:cs typeface="+mn-cs"/>
+              </a:rPr>
+              <a:t>카드 </a:t>
+            </a:r>
+            <a:r>
+              <a:rPr lang="en-US" altLang="ko-KR" sz="2400" b="1" dirty="0">
+                <a:latin typeface="나눔스퀘어_ac Light" panose="020B0600000101010101" pitchFamily="50" charset="-127"/>
+                <a:ea typeface="나눔스퀘어_ac Light" panose="020B0600000101010101" pitchFamily="50" charset="-127"/>
+                <a:cs typeface="+mn-cs"/>
+              </a:rPr>
+              <a:t>– </a:t>
+            </a:r>
+            <a:r>
+              <a:rPr lang="ko-KR" altLang="en-US" sz="2400" b="1" dirty="0">
+                <a:latin typeface="나눔스퀘어_ac Light" panose="020B0600000101010101" pitchFamily="50" charset="-127"/>
+                <a:ea typeface="나눔스퀘어_ac Light" panose="020B0600000101010101" pitchFamily="50" charset="-127"/>
+                <a:cs typeface="+mn-cs"/>
+              </a:rPr>
+              <a:t>구성 및 레이아웃</a:t>
+            </a:r>
+            <a:endParaRPr lang="ko-KR" altLang="en-US" sz="2400" b="1" dirty="0">
+              <a:latin typeface="나눔스퀘어_ac Light" panose="020B0600000101010101" pitchFamily="50" charset="-127"/>
+              <a:ea typeface="나눔스퀘어_ac Light" panose="020B0600000101010101" pitchFamily="50" charset="-127"/>
+            </a:endParaRPr>
+          </a:p>
+        </p:txBody>
+      </p:sp>
+      <p:cxnSp>
+        <p:nvCxnSpPr>
+          <p:cNvPr id="7" name="직선 연결선 6">
+            <a:extLst>
+              <a:ext uri="{FF2B5EF4-FFF2-40B4-BE49-F238E27FC236}">
+                <a16:creationId xmlns:a16="http://schemas.microsoft.com/office/drawing/2014/main" id="{8E75409E-551F-B820-378A-AAAEBB54491A}"/>
+              </a:ext>
+            </a:extLst>
+          </p:cNvPr>
+          <p:cNvCxnSpPr>
+            <a:cxnSpLocks/>
+          </p:cNvCxnSpPr>
+          <p:nvPr/>
+        </p:nvCxnSpPr>
+        <p:spPr>
+          <a:xfrm>
+            <a:off x="0" y="605549"/>
+            <a:ext cx="5849155" cy="0"/>
+          </a:xfrm>
+          <a:prstGeom prst="line">
+            <a:avLst/>
+          </a:prstGeom>
+          <a:ln w="38100">
+            <a:solidFill>
+              <a:srgbClr val="FFFFFF"/>
+            </a:solidFill>
+          </a:ln>
+        </p:spPr>
+        <p:style>
+          <a:lnRef idx="1">
+            <a:schemeClr val="accent1"/>
+          </a:lnRef>
+          <a:fillRef idx="0">
+            <a:schemeClr val="accent1"/>
+          </a:fillRef>
+          <a:effectRef idx="0">
+            <a:schemeClr val="accent1"/>
+          </a:effectRef>
+          <a:fontRef idx="minor">
+            <a:schemeClr val="tx1"/>
+          </a:fontRef>
+        </p:style>
+      </p:cxnSp>
+      <p:sp>
+        <p:nvSpPr>
+          <p:cNvPr id="48" name="제목 1">
+            <a:extLst>
+              <a:ext uri="{FF2B5EF4-FFF2-40B4-BE49-F238E27FC236}">
+                <a16:creationId xmlns:a16="http://schemas.microsoft.com/office/drawing/2014/main" id="{79B649A0-A275-3B32-76BD-C1519FAABE54}"/>
+              </a:ext>
+            </a:extLst>
+          </p:cNvPr>
+          <p:cNvSpPr txBox="1">
+            <a:spLocks/>
+          </p:cNvSpPr>
+          <p:nvPr/>
+        </p:nvSpPr>
+        <p:spPr>
+          <a:xfrm>
+            <a:off x="477912" y="4901071"/>
+            <a:ext cx="3659522" cy="335758"/>
+          </a:xfrm>
+          <a:prstGeom prst="rect">
+            <a:avLst/>
+          </a:prstGeom>
+        </p:spPr>
+        <p:txBody>
+          <a:bodyPr lIns="0" tIns="0" rIns="0" bIns="0" anchor="t"/>
+          <a:lstStyle>
+            <a:lvl1pPr algn="r" defTabSz="914400" rtl="0" eaLnBrk="1" latinLnBrk="1" hangingPunct="1">
+              <a:lnSpc>
+                <a:spcPct val="90000"/>
+              </a:lnSpc>
+              <a:spcBef>
+                <a:spcPct val="0"/>
+              </a:spcBef>
+              <a:buNone/>
+              <a:defRPr sz="2000" b="0" i="0" kern="1200">
+                <a:solidFill>
+                  <a:schemeClr val="bg1"/>
+                </a:solidFill>
+                <a:latin typeface="+mj-lt"/>
+                <a:ea typeface="빛의 계승자 Bold" panose="020B0600000101010101"/>
+                <a:cs typeface="+mj-cs"/>
+              </a:defRPr>
+            </a:lvl1pPr>
+          </a:lstStyle>
+          <a:p>
+            <a:pPr marL="0" marR="0" lvl="0" indent="0" algn="l" defTabSz="914400" rtl="0" eaLnBrk="1" fontAlgn="auto" latinLnBrk="1" hangingPunct="1">
+              <a:lnSpc>
+                <a:spcPct val="100000"/>
+              </a:lnSpc>
+              <a:spcBef>
+                <a:spcPts val="0"/>
+              </a:spcBef>
+              <a:spcAft>
+                <a:spcPts val="0"/>
+              </a:spcAft>
+              <a:buClrTx/>
+              <a:buSzTx/>
+              <a:buFontTx/>
+              <a:buNone/>
+              <a:tabLst/>
+              <a:defRPr/>
+            </a:pPr>
+            <a:r>
+              <a:rPr lang="ko-KR" altLang="en-US" sz="1200" b="1" dirty="0">
+                <a:latin typeface="나눔스퀘어_ac Light" panose="020B0600000101010101" pitchFamily="50" charset="-127"/>
+                <a:ea typeface="나눔스퀘어_ac Light" panose="020B0600000101010101" pitchFamily="50" charset="-127"/>
+                <a:cs typeface="+mn-cs"/>
+              </a:rPr>
+              <a:t>슬라이드 상호 작용을 통한 정보 변경</a:t>
+            </a:r>
+            <a:endParaRPr lang="en-US" altLang="ko-KR" sz="1200" b="1" dirty="0">
+              <a:latin typeface="나눔스퀘어_ac Light" panose="020B0600000101010101" pitchFamily="50" charset="-127"/>
+              <a:ea typeface="나눔스퀘어_ac Light" panose="020B0600000101010101" pitchFamily="50" charset="-127"/>
+              <a:cs typeface="+mn-cs"/>
+            </a:endParaRPr>
+          </a:p>
+          <a:p>
+            <a:pPr marL="171450" marR="0" lvl="0" indent="-171450" algn="l" defTabSz="914400" rtl="0" eaLnBrk="1" fontAlgn="auto" latinLnBrk="1" hangingPunct="1">
+              <a:lnSpc>
+                <a:spcPct val="100000"/>
+              </a:lnSpc>
+              <a:spcBef>
+                <a:spcPts val="0"/>
+              </a:spcBef>
+              <a:spcAft>
+                <a:spcPts val="0"/>
+              </a:spcAft>
+              <a:buClrTx/>
+              <a:buSzTx/>
+              <a:buFontTx/>
+              <a:buChar char="-"/>
+              <a:tabLst/>
+              <a:defRPr/>
+            </a:pPr>
+            <a:r>
+              <a:rPr kumimoji="0" lang="ko-KR" altLang="en-US" sz="900" b="0" i="0" u="none" strike="noStrike" kern="1200" cap="none" spc="0" normalizeH="0" baseline="0" noProof="0" dirty="0">
+                <a:ln>
+                  <a:noFill/>
+                </a:ln>
+                <a:effectLst/>
+                <a:uLnTx/>
+                <a:uFillTx/>
+                <a:latin typeface="나눔스퀘어_ac Light" panose="020B0600000101010101" pitchFamily="50" charset="-127"/>
+                <a:ea typeface="나눔스퀘어_ac Light" panose="020B0600000101010101" pitchFamily="50" charset="-127"/>
+                <a:cs typeface="+mn-cs"/>
+              </a:rPr>
+              <a:t>스킬 정보 </a:t>
+            </a:r>
+            <a:r>
+              <a:rPr lang="en-US" altLang="ko-KR" sz="900" dirty="0">
+                <a:latin typeface="나눔스퀘어_ac Light" panose="020B0600000101010101" pitchFamily="50" charset="-127"/>
+                <a:ea typeface="나눔스퀘어_ac Light" panose="020B0600000101010101" pitchFamily="50" charset="-127"/>
+                <a:cs typeface="+mn-cs"/>
+              </a:rPr>
+              <a:t>/ </a:t>
+            </a:r>
+            <a:r>
+              <a:rPr lang="ko-KR" altLang="en-US" sz="900" dirty="0">
+                <a:latin typeface="나눔스퀘어_ac Light" panose="020B0600000101010101" pitchFamily="50" charset="-127"/>
+                <a:ea typeface="나눔스퀘어_ac Light" panose="020B0600000101010101" pitchFamily="50" charset="-127"/>
+                <a:cs typeface="+mn-cs"/>
+              </a:rPr>
+              <a:t>보유 효과 </a:t>
+            </a:r>
+            <a:r>
+              <a:rPr lang="en-US" altLang="ko-KR" sz="900" dirty="0">
+                <a:latin typeface="나눔스퀘어_ac Light" panose="020B0600000101010101" pitchFamily="50" charset="-127"/>
+                <a:ea typeface="나눔스퀘어_ac Light" panose="020B0600000101010101" pitchFamily="50" charset="-127"/>
+                <a:cs typeface="+mn-cs"/>
+              </a:rPr>
+              <a:t>/ </a:t>
+            </a:r>
+            <a:r>
+              <a:rPr lang="ko-KR" altLang="en-US" sz="900" dirty="0">
+                <a:latin typeface="나눔스퀘어_ac Light" panose="020B0600000101010101" pitchFamily="50" charset="-127"/>
+                <a:ea typeface="나눔스퀘어_ac Light" panose="020B0600000101010101" pitchFamily="50" charset="-127"/>
+                <a:cs typeface="+mn-cs"/>
+              </a:rPr>
+              <a:t>장착 효과 구분</a:t>
+            </a:r>
+            <a:endParaRPr lang="en-US" altLang="ko-KR" sz="900" dirty="0">
+              <a:latin typeface="나눔스퀘어_ac Light" panose="020B0600000101010101" pitchFamily="50" charset="-127"/>
+              <a:ea typeface="나눔스퀘어_ac Light" panose="020B0600000101010101" pitchFamily="50" charset="-127"/>
+              <a:cs typeface="+mn-cs"/>
+            </a:endParaRPr>
+          </a:p>
+        </p:txBody>
+      </p:sp>
+      <p:sp>
+        <p:nvSpPr>
+          <p:cNvPr id="26" name="직사각형 25">
+            <a:extLst>
+              <a:ext uri="{FF2B5EF4-FFF2-40B4-BE49-F238E27FC236}">
+                <a16:creationId xmlns:a16="http://schemas.microsoft.com/office/drawing/2014/main" id="{2972878D-9807-44F8-94AF-8880E3CAAA14}"/>
+              </a:ext>
+            </a:extLst>
+          </p:cNvPr>
+          <p:cNvSpPr/>
+          <p:nvPr/>
+        </p:nvSpPr>
+        <p:spPr>
+          <a:xfrm>
+            <a:off x="477912" y="1202618"/>
+            <a:ext cx="2663203" cy="3541383"/>
+          </a:xfrm>
+          <a:prstGeom prst="rect">
+            <a:avLst/>
+          </a:prstGeom>
+          <a:solidFill>
+            <a:schemeClr val="accent2"/>
+          </a:solidFill>
+          <a:ln w="28575">
+            <a:solidFill>
+              <a:schemeClr val="tx1"/>
+            </a:solidFill>
+          </a:ln>
+        </p:spPr>
+        <p:style>
+          <a:lnRef idx="2">
+            <a:schemeClr val="accent1">
+              <a:shade val="50000"/>
+            </a:schemeClr>
+          </a:lnRef>
+          <a:fillRef idx="1">
+            <a:schemeClr val="accent1"/>
+          </a:fillRef>
+          <a:effectRef idx="0">
+            <a:schemeClr val="accent1"/>
+          </a:effectRef>
+          <a:fontRef idx="minor">
+            <a:schemeClr val="lt1"/>
+          </a:fontRef>
+        </p:style>
+        <p:txBody>
+          <a:bodyPr lIns="180000" tIns="0" rIns="0" bIns="0" rtlCol="0" anchor="ctr"/>
+          <a:lstStyle/>
+          <a:p>
+            <a:endParaRPr lang="ko-KR" altLang="en-US" sz="1050" dirty="0">
+              <a:solidFill>
+                <a:schemeClr val="tx1"/>
+              </a:solidFill>
+            </a:endParaRPr>
+          </a:p>
+        </p:txBody>
+      </p:sp>
+      <p:sp>
+        <p:nvSpPr>
+          <p:cNvPr id="27" name="제목 1">
+            <a:extLst>
+              <a:ext uri="{FF2B5EF4-FFF2-40B4-BE49-F238E27FC236}">
+                <a16:creationId xmlns:a16="http://schemas.microsoft.com/office/drawing/2014/main" id="{EA73AA08-D05F-4F85-902A-2057FC72CD6C}"/>
+              </a:ext>
+            </a:extLst>
+          </p:cNvPr>
+          <p:cNvSpPr txBox="1">
+            <a:spLocks/>
+          </p:cNvSpPr>
+          <p:nvPr/>
+        </p:nvSpPr>
+        <p:spPr>
+          <a:xfrm>
+            <a:off x="1030109" y="1285860"/>
+            <a:ext cx="1534251" cy="279626"/>
+          </a:xfrm>
+          <a:prstGeom prst="rect">
+            <a:avLst/>
+          </a:prstGeom>
+        </p:spPr>
+        <p:txBody>
+          <a:bodyPr lIns="0" tIns="0" rIns="0" bIns="0" anchor="ctr"/>
+          <a:lstStyle>
+            <a:lvl1pPr algn="r" defTabSz="914400" rtl="0" eaLnBrk="1" latinLnBrk="1" hangingPunct="1">
+              <a:lnSpc>
+                <a:spcPct val="90000"/>
+              </a:lnSpc>
+              <a:spcBef>
+                <a:spcPct val="0"/>
+              </a:spcBef>
+              <a:buNone/>
+              <a:defRPr sz="2000" b="0" i="0" kern="1200">
+                <a:solidFill>
+                  <a:schemeClr val="bg1"/>
+                </a:solidFill>
+                <a:latin typeface="+mj-lt"/>
+                <a:ea typeface="빛의 계승자 Bold" panose="020B0600000101010101"/>
+                <a:cs typeface="+mj-cs"/>
+              </a:defRPr>
+            </a:lvl1pPr>
+          </a:lstStyle>
+          <a:p>
+            <a:pPr marL="0" marR="0" lvl="0" indent="0" algn="ctr" defTabSz="914400" rtl="0" eaLnBrk="1" fontAlgn="auto" latinLnBrk="1" hangingPunct="1">
+              <a:lnSpc>
+                <a:spcPct val="100000"/>
+              </a:lnSpc>
+              <a:spcBef>
+                <a:spcPts val="0"/>
+              </a:spcBef>
+              <a:spcAft>
+                <a:spcPts val="0"/>
+              </a:spcAft>
+              <a:buClrTx/>
+              <a:buSzTx/>
+              <a:buFontTx/>
+              <a:buNone/>
+              <a:tabLst/>
+              <a:defRPr/>
+            </a:pPr>
+            <a:r>
+              <a:rPr lang="ko-KR" altLang="en-US" sz="1200" b="1" dirty="0" err="1">
+                <a:solidFill>
+                  <a:schemeClr val="tx1"/>
+                </a:solidFill>
+                <a:latin typeface="나눔스퀘어_ac Light" panose="020B0600000101010101" pitchFamily="50" charset="-127"/>
+                <a:ea typeface="나눔스퀘어_ac Light" panose="020B0600000101010101" pitchFamily="50" charset="-127"/>
+                <a:cs typeface="+mn-cs"/>
+              </a:rPr>
+              <a:t>세균단</a:t>
+            </a:r>
+            <a:endParaRPr lang="en-US" altLang="ko-KR" sz="2400" b="1" dirty="0">
+              <a:solidFill>
+                <a:schemeClr val="tx1"/>
+              </a:solidFill>
+              <a:latin typeface="나눔스퀘어_ac Light" panose="020B0600000101010101" pitchFamily="50" charset="-127"/>
+              <a:ea typeface="나눔스퀘어_ac Light" panose="020B0600000101010101" pitchFamily="50" charset="-127"/>
+              <a:cs typeface="+mn-cs"/>
+            </a:endParaRPr>
+          </a:p>
+        </p:txBody>
+      </p:sp>
+      <p:sp>
+        <p:nvSpPr>
+          <p:cNvPr id="28" name="제목 1">
+            <a:extLst>
+              <a:ext uri="{FF2B5EF4-FFF2-40B4-BE49-F238E27FC236}">
+                <a16:creationId xmlns:a16="http://schemas.microsoft.com/office/drawing/2014/main" id="{5A9428AA-97F6-4636-991C-BB6454D59441}"/>
+              </a:ext>
+            </a:extLst>
+          </p:cNvPr>
+          <p:cNvSpPr txBox="1">
+            <a:spLocks/>
+          </p:cNvSpPr>
+          <p:nvPr/>
+        </p:nvSpPr>
+        <p:spPr>
+          <a:xfrm>
+            <a:off x="562920" y="3055861"/>
+            <a:ext cx="2433390" cy="1038241"/>
+          </a:xfrm>
+          <a:prstGeom prst="rect">
+            <a:avLst/>
+          </a:prstGeom>
+        </p:spPr>
+        <p:txBody>
+          <a:bodyPr lIns="0" tIns="0" rIns="0" bIns="0" anchor="t"/>
+          <a:lstStyle>
+            <a:lvl1pPr algn="r" defTabSz="914400" rtl="0" eaLnBrk="1" latinLnBrk="1" hangingPunct="1">
+              <a:lnSpc>
+                <a:spcPct val="90000"/>
+              </a:lnSpc>
+              <a:spcBef>
+                <a:spcPct val="0"/>
+              </a:spcBef>
+              <a:buNone/>
+              <a:defRPr sz="2000" b="0" i="0" kern="1200">
+                <a:solidFill>
+                  <a:schemeClr val="bg1"/>
+                </a:solidFill>
+                <a:latin typeface="+mj-lt"/>
+                <a:ea typeface="빛의 계승자 Bold" panose="020B0600000101010101"/>
+                <a:cs typeface="+mj-cs"/>
+              </a:defRPr>
+            </a:lvl1pPr>
+          </a:lstStyle>
+          <a:p>
+            <a:pPr algn="l">
+              <a:lnSpc>
+                <a:spcPct val="100000"/>
+              </a:lnSpc>
+              <a:spcBef>
+                <a:spcPts val="0"/>
+              </a:spcBef>
+              <a:defRPr/>
+            </a:pPr>
+            <a:r>
+              <a:rPr lang="ko-KR" altLang="en-US" sz="1200" b="1" dirty="0" err="1">
+                <a:solidFill>
+                  <a:schemeClr val="tx1"/>
+                </a:solidFill>
+                <a:latin typeface="나눔스퀘어_ac Light" panose="020B0600000101010101" pitchFamily="50" charset="-127"/>
+                <a:ea typeface="나눔스퀘어_ac Light" panose="020B0600000101010101" pitchFamily="50" charset="-127"/>
+                <a:cs typeface="+mn-cs"/>
+              </a:rPr>
+              <a:t>튀어오르기</a:t>
+            </a:r>
+            <a:endParaRPr lang="en-US" altLang="ko-KR" sz="1200" b="1" dirty="0">
+              <a:solidFill>
+                <a:schemeClr val="tx1"/>
+              </a:solidFill>
+              <a:latin typeface="나눔스퀘어_ac Light" panose="020B0600000101010101" pitchFamily="50" charset="-127"/>
+              <a:ea typeface="나눔스퀘어_ac Light" panose="020B0600000101010101" pitchFamily="50" charset="-127"/>
+              <a:cs typeface="+mn-cs"/>
+            </a:endParaRPr>
+          </a:p>
+          <a:p>
+            <a:pPr algn="l">
+              <a:lnSpc>
+                <a:spcPct val="100000"/>
+              </a:lnSpc>
+              <a:spcBef>
+                <a:spcPts val="0"/>
+              </a:spcBef>
+              <a:defRPr/>
+            </a:pPr>
+            <a:endParaRPr lang="en-US" altLang="ko-KR" sz="1200" b="1" dirty="0">
+              <a:solidFill>
+                <a:schemeClr val="tx1"/>
+              </a:solidFill>
+              <a:latin typeface="나눔스퀘어_ac Light" panose="020B0600000101010101" pitchFamily="50" charset="-127"/>
+              <a:ea typeface="나눔스퀘어_ac Light" panose="020B0600000101010101" pitchFamily="50" charset="-127"/>
+              <a:cs typeface="+mn-cs"/>
+            </a:endParaRPr>
+          </a:p>
+          <a:p>
+            <a:pPr marL="0" marR="0" lvl="0" indent="0" algn="l" defTabSz="914400" rtl="0" eaLnBrk="1" fontAlgn="auto" latinLnBrk="1" hangingPunct="1">
+              <a:lnSpc>
+                <a:spcPct val="100000"/>
+              </a:lnSpc>
+              <a:spcBef>
+                <a:spcPts val="0"/>
+              </a:spcBef>
+              <a:spcAft>
+                <a:spcPts val="0"/>
+              </a:spcAft>
+              <a:buClrTx/>
+              <a:buSzTx/>
+              <a:buFontTx/>
+              <a:buNone/>
+              <a:tabLst/>
+              <a:defRPr/>
+            </a:pPr>
+            <a:r>
+              <a:rPr lang="ko-KR" altLang="en-US" sz="1050" dirty="0">
+                <a:solidFill>
+                  <a:schemeClr val="tx1"/>
+                </a:solidFill>
+                <a:latin typeface="나눔스퀘어_ac Light" panose="020B0600000101010101" pitchFamily="50" charset="-127"/>
+                <a:ea typeface="나눔스퀘어_ac Light" panose="020B0600000101010101" pitchFamily="50" charset="-127"/>
+                <a:cs typeface="+mn-cs"/>
+              </a:rPr>
+              <a:t>적의 방어력을 </a:t>
+            </a:r>
+            <a:r>
+              <a:rPr lang="en-US" altLang="ko-KR" sz="1200" b="1" dirty="0">
+                <a:solidFill>
+                  <a:srgbClr val="FF0000"/>
+                </a:solidFill>
+                <a:latin typeface="나눔스퀘어_ac Light" panose="020B0600000101010101" pitchFamily="50" charset="-127"/>
+                <a:ea typeface="나눔스퀘어_ac Light" panose="020B0600000101010101" pitchFamily="50" charset="-127"/>
+                <a:cs typeface="+mn-cs"/>
+              </a:rPr>
+              <a:t>50%</a:t>
+            </a:r>
+            <a:r>
+              <a:rPr lang="ko-KR" altLang="en-US" sz="1200" b="1" dirty="0">
+                <a:solidFill>
+                  <a:srgbClr val="FF0000"/>
+                </a:solidFill>
+                <a:latin typeface="나눔스퀘어_ac Light" panose="020B0600000101010101" pitchFamily="50" charset="-127"/>
+                <a:ea typeface="나눔스퀘어_ac Light" panose="020B0600000101010101" pitchFamily="50" charset="-127"/>
+                <a:cs typeface="+mn-cs"/>
+              </a:rPr>
+              <a:t> </a:t>
+            </a:r>
+            <a:r>
+              <a:rPr lang="ko-KR" altLang="en-US" sz="1050" dirty="0" err="1">
+                <a:solidFill>
+                  <a:schemeClr val="tx1"/>
+                </a:solidFill>
+                <a:latin typeface="나눔스퀘어_ac Light" panose="020B0600000101010101" pitchFamily="50" charset="-127"/>
+                <a:ea typeface="나눔스퀘어_ac Light" panose="020B0600000101010101" pitchFamily="50" charset="-127"/>
+                <a:cs typeface="+mn-cs"/>
+              </a:rPr>
+              <a:t>하락시킨다</a:t>
+            </a:r>
+            <a:r>
+              <a:rPr lang="en-US" altLang="ko-KR" sz="1050" dirty="0">
+                <a:solidFill>
+                  <a:schemeClr val="tx1"/>
+                </a:solidFill>
+                <a:latin typeface="나눔스퀘어_ac Light" panose="020B0600000101010101" pitchFamily="50" charset="-127"/>
+                <a:ea typeface="나눔스퀘어_ac Light" panose="020B0600000101010101" pitchFamily="50" charset="-127"/>
+                <a:cs typeface="+mn-cs"/>
+              </a:rPr>
+              <a:t>.</a:t>
+            </a:r>
+          </a:p>
+          <a:p>
+            <a:pPr marL="0" marR="0" lvl="0" indent="0" algn="l" defTabSz="914400" rtl="0" eaLnBrk="1" fontAlgn="auto" latinLnBrk="1" hangingPunct="1">
+              <a:lnSpc>
+                <a:spcPct val="100000"/>
+              </a:lnSpc>
+              <a:spcBef>
+                <a:spcPts val="0"/>
+              </a:spcBef>
+              <a:spcAft>
+                <a:spcPts val="0"/>
+              </a:spcAft>
+              <a:buClrTx/>
+              <a:buSzTx/>
+              <a:buFontTx/>
+              <a:buNone/>
+              <a:tabLst/>
+              <a:defRPr/>
+            </a:pPr>
+            <a:endParaRPr lang="en-US" altLang="ko-KR" sz="1050" dirty="0">
+              <a:solidFill>
+                <a:schemeClr val="tx1"/>
+              </a:solidFill>
+              <a:latin typeface="나눔스퀘어_ac Light" panose="020B0600000101010101" pitchFamily="50" charset="-127"/>
+              <a:ea typeface="나눔스퀘어_ac Light" panose="020B0600000101010101" pitchFamily="50" charset="-127"/>
+              <a:cs typeface="+mn-cs"/>
+            </a:endParaRPr>
+          </a:p>
+        </p:txBody>
+      </p:sp>
+      <p:cxnSp>
+        <p:nvCxnSpPr>
+          <p:cNvPr id="29" name="직선 연결선 28">
+            <a:extLst>
+              <a:ext uri="{FF2B5EF4-FFF2-40B4-BE49-F238E27FC236}">
+                <a16:creationId xmlns:a16="http://schemas.microsoft.com/office/drawing/2014/main" id="{5229F120-FA83-42A1-93B6-7EDD59F839C0}"/>
+              </a:ext>
+            </a:extLst>
+          </p:cNvPr>
+          <p:cNvCxnSpPr>
+            <a:cxnSpLocks/>
+          </p:cNvCxnSpPr>
+          <p:nvPr/>
+        </p:nvCxnSpPr>
+        <p:spPr>
+          <a:xfrm>
+            <a:off x="531737" y="3019235"/>
+            <a:ext cx="2530996" cy="0"/>
+          </a:xfrm>
+          <a:prstGeom prst="line">
+            <a:avLst/>
+          </a:prstGeom>
+          <a:ln w="12700">
+            <a:solidFill>
+              <a:schemeClr val="tx1"/>
+            </a:solidFill>
+          </a:ln>
+        </p:spPr>
+        <p:style>
+          <a:lnRef idx="1">
+            <a:schemeClr val="accent1"/>
+          </a:lnRef>
+          <a:fillRef idx="0">
+            <a:schemeClr val="accent1"/>
+          </a:fillRef>
+          <a:effectRef idx="0">
+            <a:schemeClr val="accent1"/>
+          </a:effectRef>
+          <a:fontRef idx="minor">
+            <a:schemeClr val="tx1"/>
+          </a:fontRef>
+        </p:style>
+      </p:cxnSp>
+      <p:sp>
+        <p:nvSpPr>
+          <p:cNvPr id="30" name="제목 1">
+            <a:extLst>
+              <a:ext uri="{FF2B5EF4-FFF2-40B4-BE49-F238E27FC236}">
+                <a16:creationId xmlns:a16="http://schemas.microsoft.com/office/drawing/2014/main" id="{4ABC6D9B-0A68-4BAF-9D37-B13F6CD87158}"/>
+              </a:ext>
+            </a:extLst>
+          </p:cNvPr>
+          <p:cNvSpPr txBox="1">
+            <a:spLocks/>
+          </p:cNvSpPr>
+          <p:nvPr/>
+        </p:nvSpPr>
+        <p:spPr>
+          <a:xfrm flipH="1">
+            <a:off x="1877438" y="1577758"/>
+            <a:ext cx="1152702" cy="1162750"/>
+          </a:xfrm>
+          <a:prstGeom prst="rect">
+            <a:avLst/>
+          </a:prstGeom>
+        </p:spPr>
+        <p:txBody>
+          <a:bodyPr lIns="0" tIns="0" rIns="0" bIns="0" anchor="ctr"/>
+          <a:lstStyle>
+            <a:lvl1pPr algn="r" defTabSz="914400" rtl="0" eaLnBrk="1" latinLnBrk="1" hangingPunct="1">
+              <a:lnSpc>
+                <a:spcPct val="90000"/>
+              </a:lnSpc>
+              <a:spcBef>
+                <a:spcPct val="0"/>
+              </a:spcBef>
+              <a:buNone/>
+              <a:defRPr sz="2000" b="0" i="0" kern="1200">
+                <a:solidFill>
+                  <a:schemeClr val="bg1"/>
+                </a:solidFill>
+                <a:latin typeface="+mj-lt"/>
+                <a:ea typeface="빛의 계승자 Bold" panose="020B0600000101010101"/>
+                <a:cs typeface="+mj-cs"/>
+              </a:defRPr>
+            </a:lvl1pPr>
+          </a:lstStyle>
+          <a:p>
+            <a:pPr marL="0" marR="0" lvl="0" indent="0" algn="l" defTabSz="914400" rtl="0" eaLnBrk="1" fontAlgn="auto" latinLnBrk="1" hangingPunct="1">
+              <a:lnSpc>
+                <a:spcPct val="100000"/>
+              </a:lnSpc>
+              <a:spcBef>
+                <a:spcPts val="0"/>
+              </a:spcBef>
+              <a:spcAft>
+                <a:spcPts val="0"/>
+              </a:spcAft>
+              <a:buClrTx/>
+              <a:buSzTx/>
+              <a:buFontTx/>
+              <a:buNone/>
+              <a:tabLst/>
+              <a:defRPr/>
+            </a:pPr>
+            <a:r>
+              <a:rPr lang="ko-KR" altLang="en-US" sz="1050" dirty="0" err="1">
+                <a:solidFill>
+                  <a:schemeClr val="tx1"/>
+                </a:solidFill>
+                <a:latin typeface="나눔스퀘어_ac Light" panose="020B0600000101010101" pitchFamily="50" charset="-127"/>
+                <a:ea typeface="나눔스퀘어_ac Light" panose="020B0600000101010101" pitchFamily="50" charset="-127"/>
+                <a:cs typeface="+mn-cs"/>
+              </a:rPr>
+              <a:t>세실헤실</a:t>
+            </a:r>
+            <a:r>
+              <a:rPr lang="ko-KR" altLang="en-US" sz="1050" dirty="0">
+                <a:solidFill>
+                  <a:schemeClr val="tx1"/>
+                </a:solidFill>
+                <a:latin typeface="나눔스퀘어_ac Light" panose="020B0600000101010101" pitchFamily="50" charset="-127"/>
+                <a:ea typeface="나눔스퀘어_ac Light" panose="020B0600000101010101" pitchFamily="50" charset="-127"/>
+                <a:cs typeface="+mn-cs"/>
+              </a:rPr>
+              <a:t> 웃는 얼굴의 세균</a:t>
+            </a:r>
+            <a:r>
+              <a:rPr lang="en-US" altLang="ko-KR" sz="1050" dirty="0">
+                <a:solidFill>
+                  <a:schemeClr val="tx1"/>
+                </a:solidFill>
+                <a:latin typeface="나눔스퀘어_ac Light" panose="020B0600000101010101" pitchFamily="50" charset="-127"/>
+                <a:ea typeface="나눔스퀘어_ac Light" panose="020B0600000101010101" pitchFamily="50" charset="-127"/>
+                <a:cs typeface="+mn-cs"/>
+              </a:rPr>
+              <a:t>.</a:t>
+            </a:r>
+            <a:r>
+              <a:rPr lang="ko-KR" altLang="en-US" sz="1050" dirty="0">
+                <a:solidFill>
+                  <a:schemeClr val="tx1"/>
+                </a:solidFill>
+                <a:latin typeface="나눔스퀘어_ac Light" panose="020B0600000101010101" pitchFamily="50" charset="-127"/>
+                <a:ea typeface="나눔스퀘어_ac Light" panose="020B0600000101010101" pitchFamily="50" charset="-127"/>
+                <a:cs typeface="+mn-cs"/>
+              </a:rPr>
+              <a:t>누군가를 기다리는 듯 하다</a:t>
+            </a:r>
+            <a:r>
+              <a:rPr lang="en-US" altLang="ko-KR" sz="1050" dirty="0">
+                <a:solidFill>
+                  <a:schemeClr val="tx1"/>
+                </a:solidFill>
+                <a:latin typeface="나눔스퀘어_ac Light" panose="020B0600000101010101" pitchFamily="50" charset="-127"/>
+                <a:ea typeface="나눔스퀘어_ac Light" panose="020B0600000101010101" pitchFamily="50" charset="-127"/>
+                <a:cs typeface="+mn-cs"/>
+              </a:rPr>
+              <a:t>.</a:t>
+            </a:r>
+            <a:endParaRPr lang="en-US" altLang="ko-KR" dirty="0">
+              <a:solidFill>
+                <a:schemeClr val="tx1"/>
+              </a:solidFill>
+              <a:latin typeface="나눔스퀘어_ac Light" panose="020B0600000101010101" pitchFamily="50" charset="-127"/>
+              <a:ea typeface="나눔스퀘어_ac Light" panose="020B0600000101010101" pitchFamily="50" charset="-127"/>
+              <a:cs typeface="+mn-cs"/>
+            </a:endParaRPr>
+          </a:p>
+        </p:txBody>
+      </p:sp>
+      <p:pic>
+        <p:nvPicPr>
+          <p:cNvPr id="31" name="Picture 32">
+            <a:extLst>
+              <a:ext uri="{FF2B5EF4-FFF2-40B4-BE49-F238E27FC236}">
+                <a16:creationId xmlns:a16="http://schemas.microsoft.com/office/drawing/2014/main" id="{F2DA6FB3-9337-4653-B61F-FDA26E550775}"/>
+              </a:ext>
+            </a:extLst>
+          </p:cNvPr>
+          <p:cNvPicPr>
+            <a:picLocks noChangeAspect="1" noChangeArrowheads="1"/>
+          </p:cNvPicPr>
+          <p:nvPr/>
+        </p:nvPicPr>
+        <p:blipFill rotWithShape="1">
+          <a:blip r:embed="rId3">
+            <a:extLst>
+              <a:ext uri="{BEBA8EAE-BF5A-486C-A8C5-ECC9F3942E4B}">
+                <a14:imgProps xmlns:a14="http://schemas.microsoft.com/office/drawing/2010/main">
+                  <a14:imgLayer r:embed="rId4">
+                    <a14:imgEffect>
+                      <a14:backgroundRemoval t="9937" b="89973" l="9254" r="89986">
+                        <a14:foregroundMark x1="9876" y1="50136" x2="9254" y2="63505"/>
+                      </a14:backgroundRemoval>
+                    </a14:imgEffect>
+                  </a14:imgLayer>
+                </a14:imgProps>
+              </a:ext>
+              <a:ext uri="{28A0092B-C50C-407E-A947-70E740481C1C}">
+                <a14:useLocalDpi xmlns:a14="http://schemas.microsoft.com/office/drawing/2010/main" val="0"/>
+              </a:ext>
+            </a:extLst>
+          </a:blip>
+          <a:srcRect l="5993" t="10171" r="10235" b="9555"/>
+          <a:stretch/>
+        </p:blipFill>
+        <p:spPr bwMode="auto">
+          <a:xfrm rot="301438" flipH="1">
+            <a:off x="527186" y="1653239"/>
+            <a:ext cx="1311361" cy="960647"/>
+          </a:xfrm>
+          <a:prstGeom prst="rect">
+            <a:avLst/>
+          </a:prstGeom>
+          <a:noFill/>
+          <a:extLst>
+            <a:ext uri="{909E8E84-426E-40DD-AFC4-6F175D3DCCD1}">
+              <a14:hiddenFill xmlns:a14="http://schemas.microsoft.com/office/drawing/2010/main">
+                <a:solidFill>
+                  <a:srgbClr val="FFFFFF"/>
+                </a:solidFill>
+              </a14:hiddenFill>
+            </a:ext>
+          </a:extLst>
+        </p:spPr>
+      </p:pic>
+      <p:sp>
+        <p:nvSpPr>
+          <p:cNvPr id="42" name="제목 1">
+            <a:extLst>
+              <a:ext uri="{FF2B5EF4-FFF2-40B4-BE49-F238E27FC236}">
+                <a16:creationId xmlns:a16="http://schemas.microsoft.com/office/drawing/2014/main" id="{E2642BDB-7948-4AFA-AF32-8B169B44090C}"/>
+              </a:ext>
+            </a:extLst>
+          </p:cNvPr>
+          <p:cNvSpPr txBox="1">
+            <a:spLocks/>
+          </p:cNvSpPr>
+          <p:nvPr/>
+        </p:nvSpPr>
+        <p:spPr>
+          <a:xfrm>
+            <a:off x="1281236" y="2750112"/>
+            <a:ext cx="1031995" cy="162218"/>
+          </a:xfrm>
+          <a:prstGeom prst="rect">
+            <a:avLst/>
+          </a:prstGeom>
+        </p:spPr>
+        <p:txBody>
+          <a:bodyPr lIns="0" tIns="0" rIns="0" bIns="0" anchor="t"/>
+          <a:lstStyle>
+            <a:lvl1pPr algn="r" defTabSz="914400" rtl="0" eaLnBrk="1" latinLnBrk="1" hangingPunct="1">
+              <a:lnSpc>
+                <a:spcPct val="90000"/>
+              </a:lnSpc>
+              <a:spcBef>
+                <a:spcPct val="0"/>
+              </a:spcBef>
+              <a:buNone/>
+              <a:defRPr sz="2000" b="0" i="0" kern="1200">
+                <a:solidFill>
+                  <a:schemeClr val="bg1"/>
+                </a:solidFill>
+                <a:latin typeface="+mj-lt"/>
+                <a:ea typeface="빛의 계승자 Bold" panose="020B0600000101010101"/>
+                <a:cs typeface="+mj-cs"/>
+              </a:defRPr>
+            </a:lvl1pPr>
+          </a:lstStyle>
+          <a:p>
+            <a:pPr algn="ctr">
+              <a:lnSpc>
+                <a:spcPct val="100000"/>
+              </a:lnSpc>
+              <a:spcBef>
+                <a:spcPts val="0"/>
+              </a:spcBef>
+              <a:defRPr/>
+            </a:pPr>
+            <a:r>
+              <a:rPr lang="ko-KR" altLang="en-US" sz="1400" b="1" dirty="0">
+                <a:solidFill>
+                  <a:schemeClr val="tx1"/>
+                </a:solidFill>
+                <a:latin typeface="나눔스퀘어_ac Light" panose="020B0600000101010101" pitchFamily="50" charset="-127"/>
+                <a:ea typeface="나눔스퀘어_ac Light" panose="020B0600000101010101" pitchFamily="50" charset="-127"/>
+                <a:cs typeface="+mn-cs"/>
+              </a:rPr>
+              <a:t>스킬 정보</a:t>
+            </a:r>
+            <a:endParaRPr lang="en-US" altLang="ko-KR" sz="1400" b="1" dirty="0">
+              <a:solidFill>
+                <a:schemeClr val="tx1"/>
+              </a:solidFill>
+              <a:latin typeface="나눔스퀘어_ac Light" panose="020B0600000101010101" pitchFamily="50" charset="-127"/>
+              <a:ea typeface="나눔스퀘어_ac Light" panose="020B0600000101010101" pitchFamily="50" charset="-127"/>
+              <a:cs typeface="+mn-cs"/>
+            </a:endParaRPr>
+          </a:p>
+        </p:txBody>
+      </p:sp>
+      <p:sp>
+        <p:nvSpPr>
+          <p:cNvPr id="33" name="직사각형 32">
+            <a:extLst>
+              <a:ext uri="{FF2B5EF4-FFF2-40B4-BE49-F238E27FC236}">
+                <a16:creationId xmlns:a16="http://schemas.microsoft.com/office/drawing/2014/main" id="{DA7E01B3-08D0-49E3-98DB-722561F36AA0}"/>
+              </a:ext>
+            </a:extLst>
+          </p:cNvPr>
+          <p:cNvSpPr/>
+          <p:nvPr/>
+        </p:nvSpPr>
+        <p:spPr>
+          <a:xfrm>
+            <a:off x="3432797" y="1202618"/>
+            <a:ext cx="2663203" cy="3541395"/>
+          </a:xfrm>
+          <a:prstGeom prst="rect">
+            <a:avLst/>
+          </a:prstGeom>
+          <a:solidFill>
+            <a:schemeClr val="accent2"/>
+          </a:solidFill>
+          <a:ln w="28575">
+            <a:solidFill>
+              <a:schemeClr val="tx1"/>
+            </a:solidFill>
+          </a:ln>
+        </p:spPr>
+        <p:style>
+          <a:lnRef idx="2">
+            <a:schemeClr val="accent1">
+              <a:shade val="50000"/>
+            </a:schemeClr>
+          </a:lnRef>
+          <a:fillRef idx="1">
+            <a:schemeClr val="accent1"/>
+          </a:fillRef>
+          <a:effectRef idx="0">
+            <a:schemeClr val="accent1"/>
+          </a:effectRef>
+          <a:fontRef idx="minor">
+            <a:schemeClr val="lt1"/>
+          </a:fontRef>
+        </p:style>
+        <p:txBody>
+          <a:bodyPr lIns="180000" tIns="0" rIns="0" bIns="0" rtlCol="0" anchor="ctr"/>
+          <a:lstStyle/>
+          <a:p>
+            <a:endParaRPr lang="ko-KR" altLang="en-US" sz="1050" dirty="0">
+              <a:solidFill>
+                <a:schemeClr val="tx1"/>
+              </a:solidFill>
+            </a:endParaRPr>
+          </a:p>
+        </p:txBody>
+      </p:sp>
+      <p:sp>
+        <p:nvSpPr>
+          <p:cNvPr id="34" name="제목 1">
+            <a:extLst>
+              <a:ext uri="{FF2B5EF4-FFF2-40B4-BE49-F238E27FC236}">
+                <a16:creationId xmlns:a16="http://schemas.microsoft.com/office/drawing/2014/main" id="{1872E32E-C458-439A-90C3-0C55687B0BB2}"/>
+              </a:ext>
+            </a:extLst>
+          </p:cNvPr>
+          <p:cNvSpPr txBox="1">
+            <a:spLocks/>
+          </p:cNvSpPr>
+          <p:nvPr/>
+        </p:nvSpPr>
+        <p:spPr>
+          <a:xfrm>
+            <a:off x="3984994" y="1285860"/>
+            <a:ext cx="1534251" cy="279626"/>
+          </a:xfrm>
+          <a:prstGeom prst="rect">
+            <a:avLst/>
+          </a:prstGeom>
+        </p:spPr>
+        <p:txBody>
+          <a:bodyPr lIns="0" tIns="0" rIns="0" bIns="0" anchor="ctr"/>
+          <a:lstStyle>
+            <a:lvl1pPr algn="r" defTabSz="914400" rtl="0" eaLnBrk="1" latinLnBrk="1" hangingPunct="1">
+              <a:lnSpc>
+                <a:spcPct val="90000"/>
+              </a:lnSpc>
+              <a:spcBef>
+                <a:spcPct val="0"/>
+              </a:spcBef>
+              <a:buNone/>
+              <a:defRPr sz="2000" b="0" i="0" kern="1200">
+                <a:solidFill>
+                  <a:schemeClr val="bg1"/>
+                </a:solidFill>
+                <a:latin typeface="+mj-lt"/>
+                <a:ea typeface="빛의 계승자 Bold" panose="020B0600000101010101"/>
+                <a:cs typeface="+mj-cs"/>
+              </a:defRPr>
+            </a:lvl1pPr>
+          </a:lstStyle>
+          <a:p>
+            <a:pPr marL="0" marR="0" lvl="0" indent="0" algn="ctr" defTabSz="914400" rtl="0" eaLnBrk="1" fontAlgn="auto" latinLnBrk="1" hangingPunct="1">
+              <a:lnSpc>
+                <a:spcPct val="100000"/>
+              </a:lnSpc>
+              <a:spcBef>
+                <a:spcPts val="0"/>
+              </a:spcBef>
+              <a:spcAft>
+                <a:spcPts val="0"/>
+              </a:spcAft>
+              <a:buClrTx/>
+              <a:buSzTx/>
+              <a:buFontTx/>
+              <a:buNone/>
+              <a:tabLst/>
+              <a:defRPr/>
+            </a:pPr>
+            <a:r>
+              <a:rPr lang="ko-KR" altLang="en-US" sz="1200" b="1" dirty="0" err="1">
+                <a:solidFill>
+                  <a:schemeClr val="tx1"/>
+                </a:solidFill>
+                <a:latin typeface="나눔스퀘어_ac Light" panose="020B0600000101010101" pitchFamily="50" charset="-127"/>
+                <a:ea typeface="나눔스퀘어_ac Light" panose="020B0600000101010101" pitchFamily="50" charset="-127"/>
+                <a:cs typeface="+mn-cs"/>
+              </a:rPr>
+              <a:t>세균단</a:t>
+            </a:r>
+            <a:endParaRPr lang="en-US" altLang="ko-KR" sz="2400" b="1" dirty="0">
+              <a:solidFill>
+                <a:schemeClr val="tx1"/>
+              </a:solidFill>
+              <a:latin typeface="나눔스퀘어_ac Light" panose="020B0600000101010101" pitchFamily="50" charset="-127"/>
+              <a:ea typeface="나눔스퀘어_ac Light" panose="020B0600000101010101" pitchFamily="50" charset="-127"/>
+              <a:cs typeface="+mn-cs"/>
+            </a:endParaRPr>
+          </a:p>
+        </p:txBody>
+      </p:sp>
+      <p:sp>
+        <p:nvSpPr>
+          <p:cNvPr id="35" name="제목 1">
+            <a:extLst>
+              <a:ext uri="{FF2B5EF4-FFF2-40B4-BE49-F238E27FC236}">
+                <a16:creationId xmlns:a16="http://schemas.microsoft.com/office/drawing/2014/main" id="{15BFEE6B-5AB8-490D-A80D-791A0C3BFC02}"/>
+              </a:ext>
+            </a:extLst>
+          </p:cNvPr>
+          <p:cNvSpPr txBox="1">
+            <a:spLocks/>
+          </p:cNvSpPr>
+          <p:nvPr/>
+        </p:nvSpPr>
+        <p:spPr>
+          <a:xfrm>
+            <a:off x="3517805" y="3083730"/>
+            <a:ext cx="2433390" cy="1038241"/>
+          </a:xfrm>
+          <a:prstGeom prst="rect">
+            <a:avLst/>
+          </a:prstGeom>
+        </p:spPr>
+        <p:txBody>
+          <a:bodyPr lIns="0" tIns="0" rIns="0" bIns="0" anchor="t"/>
+          <a:lstStyle>
+            <a:lvl1pPr algn="r" defTabSz="914400" rtl="0" eaLnBrk="1" latinLnBrk="1" hangingPunct="1">
+              <a:lnSpc>
+                <a:spcPct val="90000"/>
+              </a:lnSpc>
+              <a:spcBef>
+                <a:spcPct val="0"/>
+              </a:spcBef>
+              <a:buNone/>
+              <a:defRPr sz="2000" b="0" i="0" kern="1200">
+                <a:solidFill>
+                  <a:schemeClr val="bg1"/>
+                </a:solidFill>
+                <a:latin typeface="+mj-lt"/>
+                <a:ea typeface="빛의 계승자 Bold" panose="020B0600000101010101"/>
+                <a:cs typeface="+mj-cs"/>
+              </a:defRPr>
+            </a:lvl1pPr>
+          </a:lstStyle>
+          <a:p>
+            <a:pPr marR="0" lvl="0" algn="l" fontAlgn="auto">
+              <a:lnSpc>
+                <a:spcPct val="100000"/>
+              </a:lnSpc>
+              <a:spcBef>
+                <a:spcPts val="0"/>
+              </a:spcBef>
+              <a:spcAft>
+                <a:spcPts val="0"/>
+              </a:spcAft>
+              <a:buClrTx/>
+              <a:buSzTx/>
+              <a:tabLst/>
+              <a:defRPr/>
+            </a:pPr>
+            <a:r>
+              <a:rPr lang="ko-KR" altLang="en-US" sz="1200" b="1" dirty="0">
+                <a:solidFill>
+                  <a:schemeClr val="tx1"/>
+                </a:solidFill>
+                <a:ea typeface="나눔스퀘어_ac Light" panose="020B0600000101010101" pitchFamily="50" charset="-127"/>
+                <a:cs typeface="+mn-cs"/>
+              </a:rPr>
+              <a:t>기본 효과</a:t>
+            </a:r>
+            <a:endParaRPr lang="en-US" altLang="ko-KR" sz="1200" b="1" dirty="0">
+              <a:solidFill>
+                <a:schemeClr val="tx1"/>
+              </a:solidFill>
+              <a:ea typeface="나눔스퀘어_ac Light" panose="020B0600000101010101" pitchFamily="50" charset="-127"/>
+              <a:cs typeface="+mn-cs"/>
+            </a:endParaRPr>
+          </a:p>
+          <a:p>
+            <a:pPr marL="171450" marR="0" lvl="0" indent="-171450" algn="l" defTabSz="914400" rtl="0" eaLnBrk="1" fontAlgn="auto" latinLnBrk="1" hangingPunct="1">
+              <a:lnSpc>
+                <a:spcPct val="100000"/>
+              </a:lnSpc>
+              <a:spcBef>
+                <a:spcPts val="0"/>
+              </a:spcBef>
+              <a:spcAft>
+                <a:spcPts val="0"/>
+              </a:spcAft>
+              <a:buClrTx/>
+              <a:buSzTx/>
+              <a:buFontTx/>
+              <a:buChar char="-"/>
+              <a:tabLst/>
+              <a:defRPr/>
+            </a:pPr>
+            <a:r>
+              <a:rPr lang="ko-KR" altLang="en-US" sz="1050" dirty="0">
+                <a:solidFill>
+                  <a:prstClr val="black"/>
+                </a:solidFill>
+                <a:latin typeface="나눔스퀘어_ac Light" panose="020B0600000101010101" pitchFamily="50" charset="-127"/>
+                <a:ea typeface="나눔스퀘어_ac Light" panose="020B0600000101010101" pitchFamily="50" charset="-127"/>
+                <a:cs typeface="+mn-cs"/>
+              </a:rPr>
+              <a:t>방어력 </a:t>
+            </a:r>
+            <a:r>
+              <a:rPr lang="en-US" altLang="ko-KR" sz="1050" dirty="0">
+                <a:solidFill>
+                  <a:prstClr val="black"/>
+                </a:solidFill>
+                <a:latin typeface="나눔스퀘어_ac Light" panose="020B0600000101010101" pitchFamily="50" charset="-127"/>
+                <a:ea typeface="나눔스퀘어_ac Light" panose="020B0600000101010101" pitchFamily="50" charset="-127"/>
+                <a:cs typeface="+mn-cs"/>
+              </a:rPr>
+              <a:t>+10</a:t>
+            </a:r>
+            <a:br>
+              <a:rPr lang="en-US" altLang="ko-KR" sz="1050" dirty="0">
+                <a:solidFill>
+                  <a:prstClr val="black"/>
+                </a:solidFill>
+                <a:latin typeface="나눔스퀘어_ac Light" panose="020B0600000101010101" pitchFamily="50" charset="-127"/>
+                <a:ea typeface="나눔스퀘어_ac Light" panose="020B0600000101010101" pitchFamily="50" charset="-127"/>
+                <a:cs typeface="+mn-cs"/>
+              </a:rPr>
+            </a:br>
+            <a:endParaRPr lang="en-US" altLang="ko-KR" sz="1050" dirty="0">
+              <a:solidFill>
+                <a:prstClr val="black"/>
+              </a:solidFill>
+              <a:latin typeface="나눔스퀘어_ac Light" panose="020B0600000101010101" pitchFamily="50" charset="-127"/>
+              <a:ea typeface="나눔스퀘어_ac Light" panose="020B0600000101010101" pitchFamily="50" charset="-127"/>
+              <a:cs typeface="+mn-cs"/>
+            </a:endParaRPr>
+          </a:p>
+          <a:p>
+            <a:pPr marR="0" lvl="0" algn="l" fontAlgn="auto">
+              <a:lnSpc>
+                <a:spcPct val="100000"/>
+              </a:lnSpc>
+              <a:spcBef>
+                <a:spcPts val="0"/>
+              </a:spcBef>
+              <a:spcAft>
+                <a:spcPts val="0"/>
+              </a:spcAft>
+              <a:buClrTx/>
+              <a:buSzTx/>
+              <a:tabLst/>
+              <a:defRPr/>
+            </a:pPr>
+            <a:r>
+              <a:rPr lang="ko-KR" altLang="en-US" sz="1200" b="1" dirty="0">
+                <a:solidFill>
+                  <a:schemeClr val="tx1"/>
+                </a:solidFill>
+                <a:ea typeface="나눔스퀘어_ac Light" panose="020B0600000101010101" pitchFamily="50" charset="-127"/>
+                <a:cs typeface="+mn-cs"/>
+              </a:rPr>
+              <a:t>해금 효과</a:t>
+            </a:r>
+            <a:endParaRPr lang="en-US" altLang="ko-KR" sz="1200" b="1" dirty="0">
+              <a:solidFill>
+                <a:schemeClr val="tx1"/>
+              </a:solidFill>
+              <a:ea typeface="나눔스퀘어_ac Light" panose="020B0600000101010101" pitchFamily="50" charset="-127"/>
+              <a:cs typeface="+mn-cs"/>
+            </a:endParaRPr>
+          </a:p>
+          <a:p>
+            <a:pPr marL="228600" marR="0" lvl="0" indent="-228600" algn="l" defTabSz="914400" rtl="0" eaLnBrk="1" fontAlgn="auto" latinLnBrk="1" hangingPunct="1">
+              <a:lnSpc>
+                <a:spcPct val="100000"/>
+              </a:lnSpc>
+              <a:spcBef>
+                <a:spcPts val="0"/>
+              </a:spcBef>
+              <a:spcAft>
+                <a:spcPts val="0"/>
+              </a:spcAft>
+              <a:buClrTx/>
+              <a:buSzTx/>
+              <a:buAutoNum type="arabicPeriod"/>
+              <a:tabLst/>
+              <a:defRPr/>
+            </a:pPr>
+            <a:r>
+              <a:rPr lang="ko-KR" altLang="en-US" sz="1050" dirty="0">
+                <a:solidFill>
+                  <a:prstClr val="black"/>
+                </a:solidFill>
+                <a:latin typeface="나눔스퀘어_ac Light" panose="020B0600000101010101" pitchFamily="50" charset="-127"/>
+                <a:ea typeface="나눔스퀘어_ac Light" panose="020B0600000101010101" pitchFamily="50" charset="-127"/>
+                <a:cs typeface="+mn-cs"/>
+              </a:rPr>
+              <a:t>체력 </a:t>
+            </a:r>
+            <a:r>
+              <a:rPr lang="en-US" altLang="ko-KR" sz="1050" dirty="0">
+                <a:solidFill>
+                  <a:prstClr val="black"/>
+                </a:solidFill>
+                <a:latin typeface="나눔스퀘어_ac Light" panose="020B0600000101010101" pitchFamily="50" charset="-127"/>
+                <a:ea typeface="나눔스퀘어_ac Light" panose="020B0600000101010101" pitchFamily="50" charset="-127"/>
+                <a:cs typeface="+mn-cs"/>
+              </a:rPr>
+              <a:t>+5 (</a:t>
+            </a:r>
+            <a:r>
+              <a:rPr lang="ko-KR" altLang="en-US" sz="1050" dirty="0">
+                <a:solidFill>
+                  <a:prstClr val="black"/>
+                </a:solidFill>
+                <a:latin typeface="나눔스퀘어_ac Light" panose="020B0600000101010101" pitchFamily="50" charset="-127"/>
+                <a:ea typeface="나눔스퀘어_ac Light" panose="020B0600000101010101" pitchFamily="50" charset="-127"/>
+                <a:cs typeface="+mn-cs"/>
+              </a:rPr>
+              <a:t>재화 </a:t>
+            </a:r>
+            <a:r>
+              <a:rPr lang="en-US" altLang="ko-KR" sz="1050" dirty="0">
+                <a:solidFill>
+                  <a:prstClr val="black"/>
+                </a:solidFill>
+                <a:latin typeface="나눔스퀘어_ac Light" panose="020B0600000101010101" pitchFamily="50" charset="-127"/>
+                <a:ea typeface="나눔스퀘어_ac Light" panose="020B0600000101010101" pitchFamily="50" charset="-127"/>
+                <a:cs typeface="+mn-cs"/>
+              </a:rPr>
+              <a:t>1 </a:t>
+            </a:r>
+            <a:r>
+              <a:rPr lang="ko-KR" altLang="en-US" sz="1050" dirty="0">
+                <a:solidFill>
+                  <a:prstClr val="black"/>
+                </a:solidFill>
+                <a:latin typeface="나눔스퀘어_ac Light" panose="020B0600000101010101" pitchFamily="50" charset="-127"/>
+                <a:ea typeface="나눔스퀘어_ac Light" panose="020B0600000101010101" pitchFamily="50" charset="-127"/>
+                <a:cs typeface="+mn-cs"/>
+              </a:rPr>
+              <a:t>필요</a:t>
+            </a:r>
+            <a:r>
+              <a:rPr lang="en-US" altLang="ko-KR" sz="1050" dirty="0">
+                <a:solidFill>
+                  <a:prstClr val="black"/>
+                </a:solidFill>
+                <a:latin typeface="나눔스퀘어_ac Light" panose="020B0600000101010101" pitchFamily="50" charset="-127"/>
+                <a:ea typeface="나눔스퀘어_ac Light" panose="020B0600000101010101" pitchFamily="50" charset="-127"/>
+                <a:cs typeface="+mn-cs"/>
+              </a:rPr>
+              <a:t>)</a:t>
+            </a:r>
+          </a:p>
+          <a:p>
+            <a:pPr marL="228600" marR="0" lvl="0" indent="-228600" algn="l" defTabSz="914400" rtl="0" eaLnBrk="1" fontAlgn="auto" latinLnBrk="1" hangingPunct="1">
+              <a:lnSpc>
+                <a:spcPct val="100000"/>
+              </a:lnSpc>
+              <a:spcBef>
+                <a:spcPts val="0"/>
+              </a:spcBef>
+              <a:spcAft>
+                <a:spcPts val="0"/>
+              </a:spcAft>
+              <a:buClrTx/>
+              <a:buSzTx/>
+              <a:buAutoNum type="arabicPeriod"/>
+              <a:tabLst/>
+              <a:defRPr/>
+            </a:pPr>
+            <a:r>
+              <a:rPr lang="ko-KR" altLang="en-US" sz="1050" dirty="0">
+                <a:solidFill>
+                  <a:prstClr val="black"/>
+                </a:solidFill>
+                <a:latin typeface="나눔스퀘어_ac Light" panose="020B0600000101010101" pitchFamily="50" charset="-127"/>
+                <a:ea typeface="나눔스퀘어_ac Light" panose="020B0600000101010101" pitchFamily="50" charset="-127"/>
+                <a:cs typeface="+mn-cs"/>
+              </a:rPr>
+              <a:t>시작 기력 </a:t>
+            </a:r>
+            <a:r>
+              <a:rPr lang="en-US" altLang="ko-KR" sz="1050" dirty="0">
+                <a:solidFill>
+                  <a:prstClr val="black"/>
+                </a:solidFill>
+                <a:latin typeface="나눔스퀘어_ac Light" panose="020B0600000101010101" pitchFamily="50" charset="-127"/>
+                <a:ea typeface="나눔스퀘어_ac Light" panose="020B0600000101010101" pitchFamily="50" charset="-127"/>
+                <a:cs typeface="+mn-cs"/>
+              </a:rPr>
+              <a:t>+10 (</a:t>
+            </a:r>
+            <a:r>
+              <a:rPr lang="ko-KR" altLang="en-US" sz="1050" dirty="0">
+                <a:solidFill>
+                  <a:prstClr val="black"/>
+                </a:solidFill>
+                <a:latin typeface="나눔스퀘어_ac Light" panose="020B0600000101010101" pitchFamily="50" charset="-127"/>
+                <a:ea typeface="나눔스퀘어_ac Light" panose="020B0600000101010101" pitchFamily="50" charset="-127"/>
+                <a:cs typeface="+mn-cs"/>
+              </a:rPr>
+              <a:t>재화 </a:t>
+            </a:r>
+            <a:r>
+              <a:rPr lang="en-US" altLang="ko-KR" sz="1050" dirty="0">
+                <a:solidFill>
+                  <a:prstClr val="black"/>
+                </a:solidFill>
+                <a:latin typeface="나눔스퀘어_ac Light" panose="020B0600000101010101" pitchFamily="50" charset="-127"/>
+                <a:ea typeface="나눔스퀘어_ac Light" panose="020B0600000101010101" pitchFamily="50" charset="-127"/>
+                <a:cs typeface="+mn-cs"/>
+              </a:rPr>
+              <a:t>1</a:t>
+            </a:r>
+            <a:r>
+              <a:rPr lang="ko-KR" altLang="en-US" sz="1050" dirty="0">
+                <a:solidFill>
+                  <a:prstClr val="black"/>
+                </a:solidFill>
+                <a:latin typeface="나눔스퀘어_ac Light" panose="020B0600000101010101" pitchFamily="50" charset="-127"/>
+                <a:ea typeface="나눔스퀘어_ac Light" panose="020B0600000101010101" pitchFamily="50" charset="-127"/>
+                <a:cs typeface="+mn-cs"/>
+              </a:rPr>
+              <a:t>필요</a:t>
+            </a:r>
+            <a:r>
+              <a:rPr lang="en-US" altLang="ko-KR" sz="1050" dirty="0">
+                <a:solidFill>
+                  <a:prstClr val="black"/>
+                </a:solidFill>
+                <a:latin typeface="나눔스퀘어_ac Light" panose="020B0600000101010101" pitchFamily="50" charset="-127"/>
+                <a:ea typeface="나눔스퀘어_ac Light" panose="020B0600000101010101" pitchFamily="50" charset="-127"/>
+                <a:cs typeface="+mn-cs"/>
+              </a:rPr>
+              <a:t>)</a:t>
+            </a:r>
+          </a:p>
+          <a:p>
+            <a:pPr marL="171450" marR="0" lvl="0" indent="-171450" algn="l" defTabSz="914400" rtl="0" eaLnBrk="1" fontAlgn="auto" latinLnBrk="1" hangingPunct="1">
+              <a:lnSpc>
+                <a:spcPct val="100000"/>
+              </a:lnSpc>
+              <a:spcBef>
+                <a:spcPts val="0"/>
+              </a:spcBef>
+              <a:spcAft>
+                <a:spcPts val="0"/>
+              </a:spcAft>
+              <a:buClrTx/>
+              <a:buSzTx/>
+              <a:buFontTx/>
+              <a:buChar char="-"/>
+              <a:tabLst/>
+              <a:defRPr/>
+            </a:pPr>
+            <a:endParaRPr lang="en-US" altLang="ko-KR" sz="1200" dirty="0">
+              <a:solidFill>
+                <a:schemeClr val="tx1"/>
+              </a:solidFill>
+              <a:latin typeface="나눔스퀘어_ac Light" panose="020B0600000101010101" pitchFamily="50" charset="-127"/>
+              <a:ea typeface="나눔스퀘어_ac Light" panose="020B0600000101010101" pitchFamily="50" charset="-127"/>
+              <a:cs typeface="+mn-cs"/>
+            </a:endParaRPr>
+          </a:p>
+        </p:txBody>
+      </p:sp>
+      <p:cxnSp>
+        <p:nvCxnSpPr>
+          <p:cNvPr id="36" name="직선 연결선 35">
+            <a:extLst>
+              <a:ext uri="{FF2B5EF4-FFF2-40B4-BE49-F238E27FC236}">
+                <a16:creationId xmlns:a16="http://schemas.microsoft.com/office/drawing/2014/main" id="{46192C1E-11CE-4AD7-B6EA-3E217C89F157}"/>
+              </a:ext>
+            </a:extLst>
+          </p:cNvPr>
+          <p:cNvCxnSpPr>
+            <a:cxnSpLocks/>
+          </p:cNvCxnSpPr>
+          <p:nvPr/>
+        </p:nvCxnSpPr>
+        <p:spPr>
+          <a:xfrm>
+            <a:off x="3486622" y="3019235"/>
+            <a:ext cx="2530996" cy="0"/>
+          </a:xfrm>
+          <a:prstGeom prst="line">
+            <a:avLst/>
+          </a:prstGeom>
+          <a:ln w="12700">
+            <a:solidFill>
+              <a:schemeClr val="tx1"/>
+            </a:solidFill>
+          </a:ln>
+        </p:spPr>
+        <p:style>
+          <a:lnRef idx="1">
+            <a:schemeClr val="accent1"/>
+          </a:lnRef>
+          <a:fillRef idx="0">
+            <a:schemeClr val="accent1"/>
+          </a:fillRef>
+          <a:effectRef idx="0">
+            <a:schemeClr val="accent1"/>
+          </a:effectRef>
+          <a:fontRef idx="minor">
+            <a:schemeClr val="tx1"/>
+          </a:fontRef>
+        </p:style>
+      </p:cxnSp>
+      <p:sp>
+        <p:nvSpPr>
+          <p:cNvPr id="37" name="제목 1">
+            <a:extLst>
+              <a:ext uri="{FF2B5EF4-FFF2-40B4-BE49-F238E27FC236}">
+                <a16:creationId xmlns:a16="http://schemas.microsoft.com/office/drawing/2014/main" id="{7942174A-D367-4B3A-9931-EEC73396E895}"/>
+              </a:ext>
+            </a:extLst>
+          </p:cNvPr>
+          <p:cNvSpPr txBox="1">
+            <a:spLocks/>
+          </p:cNvSpPr>
+          <p:nvPr/>
+        </p:nvSpPr>
+        <p:spPr>
+          <a:xfrm flipH="1">
+            <a:off x="4832323" y="1577758"/>
+            <a:ext cx="1152702" cy="1162750"/>
+          </a:xfrm>
+          <a:prstGeom prst="rect">
+            <a:avLst/>
+          </a:prstGeom>
+        </p:spPr>
+        <p:txBody>
+          <a:bodyPr lIns="0" tIns="0" rIns="0" bIns="0" anchor="ctr"/>
+          <a:lstStyle>
+            <a:lvl1pPr algn="r" defTabSz="914400" rtl="0" eaLnBrk="1" latinLnBrk="1" hangingPunct="1">
+              <a:lnSpc>
+                <a:spcPct val="90000"/>
+              </a:lnSpc>
+              <a:spcBef>
+                <a:spcPct val="0"/>
+              </a:spcBef>
+              <a:buNone/>
+              <a:defRPr sz="2000" b="0" i="0" kern="1200">
+                <a:solidFill>
+                  <a:schemeClr val="bg1"/>
+                </a:solidFill>
+                <a:latin typeface="+mj-lt"/>
+                <a:ea typeface="빛의 계승자 Bold" panose="020B0600000101010101"/>
+                <a:cs typeface="+mj-cs"/>
+              </a:defRPr>
+            </a:lvl1pPr>
+          </a:lstStyle>
+          <a:p>
+            <a:pPr marL="0" marR="0" lvl="0" indent="0" algn="l" defTabSz="914400" rtl="0" eaLnBrk="1" fontAlgn="auto" latinLnBrk="1" hangingPunct="1">
+              <a:lnSpc>
+                <a:spcPct val="100000"/>
+              </a:lnSpc>
+              <a:spcBef>
+                <a:spcPts val="0"/>
+              </a:spcBef>
+              <a:spcAft>
+                <a:spcPts val="0"/>
+              </a:spcAft>
+              <a:buClrTx/>
+              <a:buSzTx/>
+              <a:buFontTx/>
+              <a:buNone/>
+              <a:tabLst/>
+              <a:defRPr/>
+            </a:pPr>
+            <a:r>
+              <a:rPr lang="ko-KR" altLang="en-US" sz="1050" dirty="0" err="1">
+                <a:solidFill>
+                  <a:schemeClr val="tx1"/>
+                </a:solidFill>
+                <a:latin typeface="나눔스퀘어_ac Light" panose="020B0600000101010101" pitchFamily="50" charset="-127"/>
+                <a:ea typeface="나눔스퀘어_ac Light" panose="020B0600000101010101" pitchFamily="50" charset="-127"/>
+                <a:cs typeface="+mn-cs"/>
+              </a:rPr>
+              <a:t>세실헤실</a:t>
+            </a:r>
+            <a:r>
+              <a:rPr lang="ko-KR" altLang="en-US" sz="1050" dirty="0">
+                <a:solidFill>
+                  <a:schemeClr val="tx1"/>
+                </a:solidFill>
+                <a:latin typeface="나눔스퀘어_ac Light" panose="020B0600000101010101" pitchFamily="50" charset="-127"/>
+                <a:ea typeface="나눔스퀘어_ac Light" panose="020B0600000101010101" pitchFamily="50" charset="-127"/>
+                <a:cs typeface="+mn-cs"/>
+              </a:rPr>
+              <a:t> 웃는 얼굴의 세균</a:t>
+            </a:r>
+            <a:r>
+              <a:rPr lang="en-US" altLang="ko-KR" sz="1050" dirty="0">
+                <a:solidFill>
+                  <a:schemeClr val="tx1"/>
+                </a:solidFill>
+                <a:latin typeface="나눔스퀘어_ac Light" panose="020B0600000101010101" pitchFamily="50" charset="-127"/>
+                <a:ea typeface="나눔스퀘어_ac Light" panose="020B0600000101010101" pitchFamily="50" charset="-127"/>
+                <a:cs typeface="+mn-cs"/>
+              </a:rPr>
+              <a:t>.</a:t>
+            </a:r>
+            <a:r>
+              <a:rPr lang="ko-KR" altLang="en-US" sz="1050" dirty="0">
+                <a:solidFill>
+                  <a:schemeClr val="tx1"/>
+                </a:solidFill>
+                <a:latin typeface="나눔스퀘어_ac Light" panose="020B0600000101010101" pitchFamily="50" charset="-127"/>
+                <a:ea typeface="나눔스퀘어_ac Light" panose="020B0600000101010101" pitchFamily="50" charset="-127"/>
+                <a:cs typeface="+mn-cs"/>
+              </a:rPr>
+              <a:t>누군가를 기다리는 듯 하다</a:t>
+            </a:r>
+            <a:r>
+              <a:rPr lang="en-US" altLang="ko-KR" sz="1050" dirty="0">
+                <a:solidFill>
+                  <a:schemeClr val="tx1"/>
+                </a:solidFill>
+                <a:latin typeface="나눔스퀘어_ac Light" panose="020B0600000101010101" pitchFamily="50" charset="-127"/>
+                <a:ea typeface="나눔스퀘어_ac Light" panose="020B0600000101010101" pitchFamily="50" charset="-127"/>
+                <a:cs typeface="+mn-cs"/>
+              </a:rPr>
+              <a:t>.</a:t>
+            </a:r>
+            <a:endParaRPr lang="en-US" altLang="ko-KR" dirty="0">
+              <a:solidFill>
+                <a:schemeClr val="tx1"/>
+              </a:solidFill>
+              <a:latin typeface="나눔스퀘어_ac Light" panose="020B0600000101010101" pitchFamily="50" charset="-127"/>
+              <a:ea typeface="나눔스퀘어_ac Light" panose="020B0600000101010101" pitchFamily="50" charset="-127"/>
+              <a:cs typeface="+mn-cs"/>
+            </a:endParaRPr>
+          </a:p>
+        </p:txBody>
+      </p:sp>
+      <p:pic>
+        <p:nvPicPr>
+          <p:cNvPr id="40" name="Picture 32">
+            <a:extLst>
+              <a:ext uri="{FF2B5EF4-FFF2-40B4-BE49-F238E27FC236}">
+                <a16:creationId xmlns:a16="http://schemas.microsoft.com/office/drawing/2014/main" id="{C8F3D2DA-16B1-40C5-A762-B9FD576D769A}"/>
+              </a:ext>
+            </a:extLst>
+          </p:cNvPr>
+          <p:cNvPicPr>
+            <a:picLocks noChangeAspect="1" noChangeArrowheads="1"/>
+          </p:cNvPicPr>
+          <p:nvPr/>
+        </p:nvPicPr>
+        <p:blipFill rotWithShape="1">
+          <a:blip r:embed="rId3">
+            <a:extLst>
+              <a:ext uri="{BEBA8EAE-BF5A-486C-A8C5-ECC9F3942E4B}">
+                <a14:imgProps xmlns:a14="http://schemas.microsoft.com/office/drawing/2010/main">
+                  <a14:imgLayer r:embed="rId4">
+                    <a14:imgEffect>
+                      <a14:backgroundRemoval t="9937" b="89973" l="9254" r="89986">
+                        <a14:foregroundMark x1="9876" y1="50136" x2="9254" y2="63505"/>
+                      </a14:backgroundRemoval>
+                    </a14:imgEffect>
+                  </a14:imgLayer>
+                </a14:imgProps>
+              </a:ext>
+              <a:ext uri="{28A0092B-C50C-407E-A947-70E740481C1C}">
+                <a14:useLocalDpi xmlns:a14="http://schemas.microsoft.com/office/drawing/2010/main" val="0"/>
+              </a:ext>
+            </a:extLst>
+          </a:blip>
+          <a:srcRect l="5993" t="10171" r="10235" b="9555"/>
+          <a:stretch/>
+        </p:blipFill>
+        <p:spPr bwMode="auto">
+          <a:xfrm rot="301438" flipH="1">
+            <a:off x="3482071" y="1653239"/>
+            <a:ext cx="1311361" cy="960647"/>
+          </a:xfrm>
+          <a:prstGeom prst="rect">
+            <a:avLst/>
+          </a:prstGeom>
+          <a:noFill/>
+          <a:extLst>
+            <a:ext uri="{909E8E84-426E-40DD-AFC4-6F175D3DCCD1}">
+              <a14:hiddenFill xmlns:a14="http://schemas.microsoft.com/office/drawing/2010/main">
+                <a:solidFill>
+                  <a:srgbClr val="FFFFFF"/>
+                </a:solidFill>
+              </a14:hiddenFill>
+            </a:ext>
+          </a:extLst>
+        </p:spPr>
+      </p:pic>
+      <p:sp>
+        <p:nvSpPr>
+          <p:cNvPr id="44" name="제목 1">
+            <a:extLst>
+              <a:ext uri="{FF2B5EF4-FFF2-40B4-BE49-F238E27FC236}">
+                <a16:creationId xmlns:a16="http://schemas.microsoft.com/office/drawing/2014/main" id="{30B36FF8-B5A4-4D9E-BA9A-1EEEC808D04B}"/>
+              </a:ext>
+            </a:extLst>
+          </p:cNvPr>
+          <p:cNvSpPr txBox="1">
+            <a:spLocks/>
+          </p:cNvSpPr>
+          <p:nvPr/>
+        </p:nvSpPr>
+        <p:spPr>
+          <a:xfrm>
+            <a:off x="4218502" y="2747226"/>
+            <a:ext cx="1031995" cy="162218"/>
+          </a:xfrm>
+          <a:prstGeom prst="rect">
+            <a:avLst/>
+          </a:prstGeom>
+        </p:spPr>
+        <p:txBody>
+          <a:bodyPr lIns="0" tIns="0" rIns="0" bIns="0" anchor="t"/>
+          <a:lstStyle>
+            <a:lvl1pPr algn="r" defTabSz="914400" rtl="0" eaLnBrk="1" latinLnBrk="1" hangingPunct="1">
+              <a:lnSpc>
+                <a:spcPct val="90000"/>
+              </a:lnSpc>
+              <a:spcBef>
+                <a:spcPct val="0"/>
+              </a:spcBef>
+              <a:buNone/>
+              <a:defRPr sz="2000" b="0" i="0" kern="1200">
+                <a:solidFill>
+                  <a:schemeClr val="bg1"/>
+                </a:solidFill>
+                <a:latin typeface="+mj-lt"/>
+                <a:ea typeface="빛의 계승자 Bold" panose="020B0600000101010101"/>
+                <a:cs typeface="+mj-cs"/>
+              </a:defRPr>
+            </a:lvl1pPr>
+          </a:lstStyle>
+          <a:p>
+            <a:pPr algn="ctr">
+              <a:lnSpc>
+                <a:spcPct val="100000"/>
+              </a:lnSpc>
+              <a:spcBef>
+                <a:spcPts val="0"/>
+              </a:spcBef>
+              <a:defRPr/>
+            </a:pPr>
+            <a:r>
+              <a:rPr lang="ko-KR" altLang="en-US" sz="1400" b="1" dirty="0">
+                <a:solidFill>
+                  <a:schemeClr val="tx1"/>
+                </a:solidFill>
+                <a:latin typeface="나눔스퀘어_ac Light" panose="020B0600000101010101" pitchFamily="50" charset="-127"/>
+                <a:ea typeface="나눔스퀘어_ac Light" panose="020B0600000101010101" pitchFamily="50" charset="-127"/>
+                <a:cs typeface="+mn-cs"/>
+              </a:rPr>
+              <a:t>보유 효과</a:t>
+            </a:r>
+            <a:endParaRPr lang="en-US" altLang="ko-KR" sz="1400" b="1" dirty="0">
+              <a:solidFill>
+                <a:schemeClr val="tx1"/>
+              </a:solidFill>
+              <a:latin typeface="나눔스퀘어_ac Light" panose="020B0600000101010101" pitchFamily="50" charset="-127"/>
+              <a:ea typeface="나눔스퀘어_ac Light" panose="020B0600000101010101" pitchFamily="50" charset="-127"/>
+              <a:cs typeface="+mn-cs"/>
+            </a:endParaRPr>
+          </a:p>
+        </p:txBody>
+      </p:sp>
+      <p:sp>
+        <p:nvSpPr>
+          <p:cNvPr id="45" name="직사각형 44">
+            <a:extLst>
+              <a:ext uri="{FF2B5EF4-FFF2-40B4-BE49-F238E27FC236}">
+                <a16:creationId xmlns:a16="http://schemas.microsoft.com/office/drawing/2014/main" id="{067017BA-CA1A-4064-85BC-CEB92B84FCD2}"/>
+              </a:ext>
+            </a:extLst>
+          </p:cNvPr>
+          <p:cNvSpPr/>
+          <p:nvPr/>
+        </p:nvSpPr>
+        <p:spPr>
+          <a:xfrm>
+            <a:off x="6387682" y="1202618"/>
+            <a:ext cx="2663203" cy="3541395"/>
+          </a:xfrm>
+          <a:prstGeom prst="rect">
+            <a:avLst/>
+          </a:prstGeom>
+          <a:solidFill>
+            <a:schemeClr val="accent2"/>
+          </a:solidFill>
+          <a:ln w="28575">
+            <a:solidFill>
+              <a:schemeClr val="tx1"/>
+            </a:solidFill>
+          </a:ln>
+        </p:spPr>
+        <p:style>
+          <a:lnRef idx="2">
+            <a:schemeClr val="accent1">
+              <a:shade val="50000"/>
+            </a:schemeClr>
+          </a:lnRef>
+          <a:fillRef idx="1">
+            <a:schemeClr val="accent1"/>
+          </a:fillRef>
+          <a:effectRef idx="0">
+            <a:schemeClr val="accent1"/>
+          </a:effectRef>
+          <a:fontRef idx="minor">
+            <a:schemeClr val="lt1"/>
+          </a:fontRef>
+        </p:style>
+        <p:txBody>
+          <a:bodyPr lIns="180000" tIns="0" rIns="0" bIns="0" rtlCol="0" anchor="ctr"/>
+          <a:lstStyle/>
+          <a:p>
+            <a:endParaRPr lang="ko-KR" altLang="en-US" sz="1050" dirty="0">
+              <a:solidFill>
+                <a:schemeClr val="tx1"/>
+              </a:solidFill>
+            </a:endParaRPr>
+          </a:p>
+        </p:txBody>
+      </p:sp>
+      <p:sp>
+        <p:nvSpPr>
+          <p:cNvPr id="46" name="제목 1">
+            <a:extLst>
+              <a:ext uri="{FF2B5EF4-FFF2-40B4-BE49-F238E27FC236}">
+                <a16:creationId xmlns:a16="http://schemas.microsoft.com/office/drawing/2014/main" id="{DAE68F16-235A-41F5-AFFF-734ED406596A}"/>
+              </a:ext>
+            </a:extLst>
+          </p:cNvPr>
+          <p:cNvSpPr txBox="1">
+            <a:spLocks/>
+          </p:cNvSpPr>
+          <p:nvPr/>
+        </p:nvSpPr>
+        <p:spPr>
+          <a:xfrm>
+            <a:off x="6939879" y="1285860"/>
+            <a:ext cx="1534251" cy="279626"/>
+          </a:xfrm>
+          <a:prstGeom prst="rect">
+            <a:avLst/>
+          </a:prstGeom>
+        </p:spPr>
+        <p:txBody>
+          <a:bodyPr lIns="0" tIns="0" rIns="0" bIns="0" anchor="ctr"/>
+          <a:lstStyle>
+            <a:lvl1pPr algn="r" defTabSz="914400" rtl="0" eaLnBrk="1" latinLnBrk="1" hangingPunct="1">
+              <a:lnSpc>
+                <a:spcPct val="90000"/>
+              </a:lnSpc>
+              <a:spcBef>
+                <a:spcPct val="0"/>
+              </a:spcBef>
+              <a:buNone/>
+              <a:defRPr sz="2000" b="0" i="0" kern="1200">
+                <a:solidFill>
+                  <a:schemeClr val="bg1"/>
+                </a:solidFill>
+                <a:latin typeface="+mj-lt"/>
+                <a:ea typeface="빛의 계승자 Bold" panose="020B0600000101010101"/>
+                <a:cs typeface="+mj-cs"/>
+              </a:defRPr>
+            </a:lvl1pPr>
+          </a:lstStyle>
+          <a:p>
+            <a:pPr marL="0" marR="0" lvl="0" indent="0" algn="ctr" defTabSz="914400" rtl="0" eaLnBrk="1" fontAlgn="auto" latinLnBrk="1" hangingPunct="1">
+              <a:lnSpc>
+                <a:spcPct val="100000"/>
+              </a:lnSpc>
+              <a:spcBef>
+                <a:spcPts val="0"/>
+              </a:spcBef>
+              <a:spcAft>
+                <a:spcPts val="0"/>
+              </a:spcAft>
+              <a:buClrTx/>
+              <a:buSzTx/>
+              <a:buFontTx/>
+              <a:buNone/>
+              <a:tabLst/>
+              <a:defRPr/>
+            </a:pPr>
+            <a:r>
+              <a:rPr lang="ko-KR" altLang="en-US" sz="1200" b="1" dirty="0" err="1">
+                <a:solidFill>
+                  <a:schemeClr val="tx1"/>
+                </a:solidFill>
+                <a:latin typeface="나눔스퀘어_ac Light" panose="020B0600000101010101" pitchFamily="50" charset="-127"/>
+                <a:ea typeface="나눔스퀘어_ac Light" panose="020B0600000101010101" pitchFamily="50" charset="-127"/>
+                <a:cs typeface="+mn-cs"/>
+              </a:rPr>
+              <a:t>세균단</a:t>
+            </a:r>
+            <a:endParaRPr lang="en-US" altLang="ko-KR" sz="2400" b="1" dirty="0">
+              <a:solidFill>
+                <a:schemeClr val="tx1"/>
+              </a:solidFill>
+              <a:latin typeface="나눔스퀘어_ac Light" panose="020B0600000101010101" pitchFamily="50" charset="-127"/>
+              <a:ea typeface="나눔스퀘어_ac Light" panose="020B0600000101010101" pitchFamily="50" charset="-127"/>
+              <a:cs typeface="+mn-cs"/>
+            </a:endParaRPr>
+          </a:p>
+        </p:txBody>
+      </p:sp>
+      <p:sp>
+        <p:nvSpPr>
+          <p:cNvPr id="47" name="제목 1">
+            <a:extLst>
+              <a:ext uri="{FF2B5EF4-FFF2-40B4-BE49-F238E27FC236}">
+                <a16:creationId xmlns:a16="http://schemas.microsoft.com/office/drawing/2014/main" id="{93ABDAFE-9759-4919-90A3-CA43E66F0F8D}"/>
+              </a:ext>
+            </a:extLst>
+          </p:cNvPr>
+          <p:cNvSpPr txBox="1">
+            <a:spLocks/>
+          </p:cNvSpPr>
+          <p:nvPr/>
+        </p:nvSpPr>
+        <p:spPr>
+          <a:xfrm>
+            <a:off x="6472690" y="3083730"/>
+            <a:ext cx="2433390" cy="1038241"/>
+          </a:xfrm>
+          <a:prstGeom prst="rect">
+            <a:avLst/>
+          </a:prstGeom>
+        </p:spPr>
+        <p:txBody>
+          <a:bodyPr lIns="0" tIns="0" rIns="0" bIns="0" anchor="t"/>
+          <a:lstStyle>
+            <a:lvl1pPr algn="r" defTabSz="914400" rtl="0" eaLnBrk="1" latinLnBrk="1" hangingPunct="1">
+              <a:lnSpc>
+                <a:spcPct val="90000"/>
+              </a:lnSpc>
+              <a:spcBef>
+                <a:spcPct val="0"/>
+              </a:spcBef>
+              <a:buNone/>
+              <a:defRPr sz="2000" b="0" i="0" kern="1200">
+                <a:solidFill>
+                  <a:schemeClr val="bg1"/>
+                </a:solidFill>
+                <a:latin typeface="+mj-lt"/>
+                <a:ea typeface="빛의 계승자 Bold" panose="020B0600000101010101"/>
+                <a:cs typeface="+mj-cs"/>
+              </a:defRPr>
+            </a:lvl1pPr>
+          </a:lstStyle>
+          <a:p>
+            <a:pPr marR="0" lvl="0" algn="l" fontAlgn="auto">
+              <a:lnSpc>
+                <a:spcPct val="100000"/>
+              </a:lnSpc>
+              <a:spcBef>
+                <a:spcPts val="0"/>
+              </a:spcBef>
+              <a:spcAft>
+                <a:spcPts val="0"/>
+              </a:spcAft>
+              <a:buClrTx/>
+              <a:buSzTx/>
+              <a:tabLst/>
+              <a:defRPr/>
+            </a:pPr>
+            <a:r>
+              <a:rPr lang="ko-KR" altLang="en-US" sz="1200" b="1" dirty="0">
+                <a:solidFill>
+                  <a:schemeClr val="tx1"/>
+                </a:solidFill>
+                <a:ea typeface="나눔스퀘어_ac Light" panose="020B0600000101010101" pitchFamily="50" charset="-127"/>
+                <a:cs typeface="+mn-cs"/>
+              </a:rPr>
+              <a:t>기본 효과</a:t>
+            </a:r>
+            <a:endParaRPr lang="en-US" altLang="ko-KR" sz="1200" b="1" dirty="0">
+              <a:solidFill>
+                <a:schemeClr val="tx1"/>
+              </a:solidFill>
+              <a:ea typeface="나눔스퀘어_ac Light" panose="020B0600000101010101" pitchFamily="50" charset="-127"/>
+              <a:cs typeface="+mn-cs"/>
+            </a:endParaRPr>
+          </a:p>
+          <a:p>
+            <a:pPr marL="171450" marR="0" lvl="0" indent="-171450" algn="l" defTabSz="914400" rtl="0" eaLnBrk="1" fontAlgn="auto" latinLnBrk="1" hangingPunct="1">
+              <a:lnSpc>
+                <a:spcPct val="100000"/>
+              </a:lnSpc>
+              <a:spcBef>
+                <a:spcPts val="0"/>
+              </a:spcBef>
+              <a:spcAft>
+                <a:spcPts val="0"/>
+              </a:spcAft>
+              <a:buClrTx/>
+              <a:buSzTx/>
+              <a:buFontTx/>
+              <a:buChar char="-"/>
+              <a:tabLst/>
+              <a:defRPr/>
+            </a:pPr>
+            <a:r>
+              <a:rPr lang="ko-KR" altLang="en-US" sz="1050" dirty="0">
+                <a:solidFill>
+                  <a:prstClr val="black"/>
+                </a:solidFill>
+                <a:latin typeface="나눔스퀘어_ac Light" panose="020B0600000101010101" pitchFamily="50" charset="-127"/>
+                <a:ea typeface="나눔스퀘어_ac Light" panose="020B0600000101010101" pitchFamily="50" charset="-127"/>
+                <a:cs typeface="+mn-cs"/>
+              </a:rPr>
+              <a:t>공격력 </a:t>
+            </a:r>
+            <a:r>
+              <a:rPr lang="en-US" altLang="ko-KR" sz="1050" dirty="0">
+                <a:solidFill>
+                  <a:prstClr val="black"/>
+                </a:solidFill>
+                <a:latin typeface="나눔스퀘어_ac Light" panose="020B0600000101010101" pitchFamily="50" charset="-127"/>
+                <a:ea typeface="나눔스퀘어_ac Light" panose="020B0600000101010101" pitchFamily="50" charset="-127"/>
+                <a:cs typeface="+mn-cs"/>
+              </a:rPr>
+              <a:t>+5</a:t>
+            </a:r>
+            <a:br>
+              <a:rPr lang="en-US" altLang="ko-KR" sz="1050" dirty="0">
+                <a:solidFill>
+                  <a:prstClr val="black"/>
+                </a:solidFill>
+                <a:latin typeface="나눔스퀘어_ac Light" panose="020B0600000101010101" pitchFamily="50" charset="-127"/>
+                <a:ea typeface="나눔스퀘어_ac Light" panose="020B0600000101010101" pitchFamily="50" charset="-127"/>
+                <a:cs typeface="+mn-cs"/>
+              </a:rPr>
+            </a:br>
+            <a:endParaRPr lang="en-US" altLang="ko-KR" sz="1050" dirty="0">
+              <a:solidFill>
+                <a:prstClr val="black"/>
+              </a:solidFill>
+              <a:latin typeface="나눔스퀘어_ac Light" panose="020B0600000101010101" pitchFamily="50" charset="-127"/>
+              <a:ea typeface="나눔스퀘어_ac Light" panose="020B0600000101010101" pitchFamily="50" charset="-127"/>
+              <a:cs typeface="+mn-cs"/>
+            </a:endParaRPr>
+          </a:p>
+          <a:p>
+            <a:pPr marR="0" lvl="0" algn="l" fontAlgn="auto">
+              <a:lnSpc>
+                <a:spcPct val="100000"/>
+              </a:lnSpc>
+              <a:spcBef>
+                <a:spcPts val="0"/>
+              </a:spcBef>
+              <a:spcAft>
+                <a:spcPts val="0"/>
+              </a:spcAft>
+              <a:buClrTx/>
+              <a:buSzTx/>
+              <a:tabLst/>
+              <a:defRPr/>
+            </a:pPr>
+            <a:r>
+              <a:rPr lang="ko-KR" altLang="en-US" sz="1200" b="1" dirty="0">
+                <a:solidFill>
+                  <a:schemeClr val="tx1"/>
+                </a:solidFill>
+                <a:ea typeface="나눔스퀘어_ac Light" panose="020B0600000101010101" pitchFamily="50" charset="-127"/>
+                <a:cs typeface="+mn-cs"/>
+              </a:rPr>
+              <a:t>해금 효과</a:t>
+            </a:r>
+            <a:endParaRPr lang="en-US" altLang="ko-KR" sz="1200" b="1" dirty="0">
+              <a:solidFill>
+                <a:schemeClr val="tx1"/>
+              </a:solidFill>
+              <a:ea typeface="나눔스퀘어_ac Light" panose="020B0600000101010101" pitchFamily="50" charset="-127"/>
+              <a:cs typeface="+mn-cs"/>
+            </a:endParaRPr>
+          </a:p>
+          <a:p>
+            <a:pPr marR="0" lvl="0" algn="l" defTabSz="914400" rtl="0" eaLnBrk="1" fontAlgn="auto" latinLnBrk="1" hangingPunct="1">
+              <a:lnSpc>
+                <a:spcPct val="100000"/>
+              </a:lnSpc>
+              <a:spcBef>
+                <a:spcPts val="0"/>
+              </a:spcBef>
+              <a:spcAft>
+                <a:spcPts val="0"/>
+              </a:spcAft>
+              <a:buClrTx/>
+              <a:buSzTx/>
+              <a:tabLst/>
+              <a:defRPr/>
+            </a:pPr>
+            <a:r>
+              <a:rPr lang="en-US" altLang="ko-KR" sz="1050" dirty="0">
+                <a:solidFill>
+                  <a:prstClr val="black"/>
+                </a:solidFill>
+                <a:latin typeface="나눔스퀘어_ac Light" panose="020B0600000101010101" pitchFamily="50" charset="-127"/>
+                <a:ea typeface="나눔스퀘어_ac Light" panose="020B0600000101010101" pitchFamily="50" charset="-127"/>
+                <a:cs typeface="+mn-cs"/>
+              </a:rPr>
+              <a:t>1. </a:t>
+            </a:r>
+            <a:r>
+              <a:rPr lang="ko-KR" altLang="en-US" sz="1050" dirty="0">
+                <a:solidFill>
+                  <a:prstClr val="black"/>
+                </a:solidFill>
+                <a:latin typeface="나눔스퀘어_ac Light" panose="020B0600000101010101" pitchFamily="50" charset="-127"/>
+                <a:ea typeface="나눔스퀘어_ac Light" panose="020B0600000101010101" pitchFamily="50" charset="-127"/>
+                <a:cs typeface="+mn-cs"/>
+              </a:rPr>
+              <a:t>주사위 슬롯 </a:t>
+            </a:r>
+            <a:r>
+              <a:rPr lang="en-US" altLang="ko-KR" sz="1050" dirty="0">
+                <a:solidFill>
+                  <a:prstClr val="black"/>
+                </a:solidFill>
+                <a:latin typeface="나눔스퀘어_ac Light" panose="020B0600000101010101" pitchFamily="50" charset="-127"/>
+                <a:ea typeface="나눔스퀘어_ac Light" panose="020B0600000101010101" pitchFamily="50" charset="-127"/>
+                <a:cs typeface="+mn-cs"/>
+              </a:rPr>
+              <a:t>+1 (</a:t>
+            </a:r>
+            <a:r>
+              <a:rPr lang="ko-KR" altLang="en-US" sz="1050" dirty="0">
+                <a:solidFill>
+                  <a:prstClr val="black"/>
+                </a:solidFill>
+                <a:latin typeface="나눔스퀘어_ac Light" panose="020B0600000101010101" pitchFamily="50" charset="-127"/>
+                <a:ea typeface="나눔스퀘어_ac Light" panose="020B0600000101010101" pitchFamily="50" charset="-127"/>
+                <a:cs typeface="+mn-cs"/>
+              </a:rPr>
+              <a:t>재화 </a:t>
+            </a:r>
+            <a:r>
+              <a:rPr lang="en-US" altLang="ko-KR" sz="1050" dirty="0">
+                <a:solidFill>
+                  <a:prstClr val="black"/>
+                </a:solidFill>
+                <a:latin typeface="나눔스퀘어_ac Light" panose="020B0600000101010101" pitchFamily="50" charset="-127"/>
+                <a:ea typeface="나눔스퀘어_ac Light" panose="020B0600000101010101" pitchFamily="50" charset="-127"/>
+                <a:cs typeface="+mn-cs"/>
+              </a:rPr>
+              <a:t>2</a:t>
+            </a:r>
+            <a:r>
+              <a:rPr lang="ko-KR" altLang="en-US" sz="1050" dirty="0">
+                <a:solidFill>
+                  <a:prstClr val="black"/>
+                </a:solidFill>
+                <a:latin typeface="나눔스퀘어_ac Light" panose="020B0600000101010101" pitchFamily="50" charset="-127"/>
+                <a:ea typeface="나눔스퀘어_ac Light" panose="020B0600000101010101" pitchFamily="50" charset="-127"/>
+                <a:cs typeface="+mn-cs"/>
+              </a:rPr>
+              <a:t>필요</a:t>
+            </a:r>
+            <a:r>
+              <a:rPr lang="en-US" altLang="ko-KR" sz="1050" dirty="0">
+                <a:solidFill>
+                  <a:prstClr val="black"/>
+                </a:solidFill>
+                <a:latin typeface="나눔스퀘어_ac Light" panose="020B0600000101010101" pitchFamily="50" charset="-127"/>
+                <a:ea typeface="나눔스퀘어_ac Light" panose="020B0600000101010101" pitchFamily="50" charset="-127"/>
+                <a:cs typeface="+mn-cs"/>
+              </a:rPr>
+              <a:t>)</a:t>
+            </a:r>
+          </a:p>
+          <a:p>
+            <a:pPr marR="0" lvl="0" algn="l" defTabSz="914400" rtl="0" eaLnBrk="1" fontAlgn="auto" latinLnBrk="1" hangingPunct="1">
+              <a:lnSpc>
+                <a:spcPct val="100000"/>
+              </a:lnSpc>
+              <a:spcBef>
+                <a:spcPts val="0"/>
+              </a:spcBef>
+              <a:spcAft>
+                <a:spcPts val="0"/>
+              </a:spcAft>
+              <a:buClrTx/>
+              <a:buSzTx/>
+              <a:tabLst/>
+              <a:defRPr/>
+            </a:pPr>
+            <a:r>
+              <a:rPr lang="en-US" altLang="ko-KR" sz="1050" dirty="0">
+                <a:solidFill>
+                  <a:prstClr val="black"/>
+                </a:solidFill>
+                <a:latin typeface="나눔스퀘어_ac Light" panose="020B0600000101010101" pitchFamily="50" charset="-127"/>
+                <a:ea typeface="나눔스퀘어_ac Light" panose="020B0600000101010101" pitchFamily="50" charset="-127"/>
+                <a:cs typeface="+mn-cs"/>
+              </a:rPr>
+              <a:t>2. </a:t>
+            </a:r>
+            <a:r>
+              <a:rPr lang="ko-KR" altLang="en-US" sz="1050" dirty="0">
+                <a:solidFill>
+                  <a:prstClr val="black"/>
+                </a:solidFill>
+                <a:latin typeface="나눔스퀘어_ac Light" panose="020B0600000101010101" pitchFamily="50" charset="-127"/>
+                <a:ea typeface="나눔스퀘어_ac Light" panose="020B0600000101010101" pitchFamily="50" charset="-127"/>
+                <a:cs typeface="+mn-cs"/>
+              </a:rPr>
+              <a:t>행운 </a:t>
+            </a:r>
+            <a:r>
+              <a:rPr lang="en-US" altLang="ko-KR" sz="1050" dirty="0">
+                <a:solidFill>
+                  <a:prstClr val="black"/>
+                </a:solidFill>
+                <a:latin typeface="나눔스퀘어_ac Light" panose="020B0600000101010101" pitchFamily="50" charset="-127"/>
+                <a:ea typeface="나눔스퀘어_ac Light" panose="020B0600000101010101" pitchFamily="50" charset="-127"/>
+                <a:cs typeface="+mn-cs"/>
+              </a:rPr>
+              <a:t>+ 5 (</a:t>
+            </a:r>
+            <a:r>
+              <a:rPr lang="ko-KR" altLang="en-US" sz="1050" dirty="0">
+                <a:solidFill>
+                  <a:prstClr val="black"/>
+                </a:solidFill>
+                <a:latin typeface="나눔스퀘어_ac Light" panose="020B0600000101010101" pitchFamily="50" charset="-127"/>
+                <a:ea typeface="나눔스퀘어_ac Light" panose="020B0600000101010101" pitchFamily="50" charset="-127"/>
+                <a:cs typeface="+mn-cs"/>
+              </a:rPr>
+              <a:t>재화 </a:t>
+            </a:r>
+            <a:r>
+              <a:rPr lang="en-US" altLang="ko-KR" sz="1050" dirty="0">
+                <a:solidFill>
+                  <a:prstClr val="black"/>
+                </a:solidFill>
+                <a:latin typeface="나눔스퀘어_ac Light" panose="020B0600000101010101" pitchFamily="50" charset="-127"/>
+                <a:ea typeface="나눔스퀘어_ac Light" panose="020B0600000101010101" pitchFamily="50" charset="-127"/>
+                <a:cs typeface="+mn-cs"/>
+              </a:rPr>
+              <a:t>1 </a:t>
+            </a:r>
+            <a:r>
+              <a:rPr lang="ko-KR" altLang="en-US" sz="1050" dirty="0">
+                <a:solidFill>
+                  <a:prstClr val="black"/>
+                </a:solidFill>
+                <a:latin typeface="나눔스퀘어_ac Light" panose="020B0600000101010101" pitchFamily="50" charset="-127"/>
+                <a:ea typeface="나눔스퀘어_ac Light" panose="020B0600000101010101" pitchFamily="50" charset="-127"/>
+                <a:cs typeface="+mn-cs"/>
+              </a:rPr>
+              <a:t>필요</a:t>
+            </a:r>
+            <a:r>
+              <a:rPr lang="en-US" altLang="ko-KR" sz="1050" dirty="0">
+                <a:solidFill>
+                  <a:prstClr val="black"/>
+                </a:solidFill>
+                <a:latin typeface="나눔스퀘어_ac Light" panose="020B0600000101010101" pitchFamily="50" charset="-127"/>
+                <a:ea typeface="나눔스퀘어_ac Light" panose="020B0600000101010101" pitchFamily="50" charset="-127"/>
+                <a:cs typeface="+mn-cs"/>
+              </a:rPr>
+              <a:t>)</a:t>
+            </a:r>
+          </a:p>
+        </p:txBody>
+      </p:sp>
+      <p:cxnSp>
+        <p:nvCxnSpPr>
+          <p:cNvPr id="53" name="직선 연결선 52">
+            <a:extLst>
+              <a:ext uri="{FF2B5EF4-FFF2-40B4-BE49-F238E27FC236}">
+                <a16:creationId xmlns:a16="http://schemas.microsoft.com/office/drawing/2014/main" id="{0FBB75EF-A550-48A4-A280-A30AD37A7DE3}"/>
+              </a:ext>
+            </a:extLst>
+          </p:cNvPr>
+          <p:cNvCxnSpPr>
+            <a:cxnSpLocks/>
+          </p:cNvCxnSpPr>
+          <p:nvPr/>
+        </p:nvCxnSpPr>
+        <p:spPr>
+          <a:xfrm>
+            <a:off x="6441507" y="3019235"/>
+            <a:ext cx="2530996" cy="0"/>
+          </a:xfrm>
+          <a:prstGeom prst="line">
+            <a:avLst/>
+          </a:prstGeom>
+          <a:ln w="12700">
+            <a:solidFill>
+              <a:schemeClr val="tx1"/>
+            </a:solidFill>
+          </a:ln>
+        </p:spPr>
+        <p:style>
+          <a:lnRef idx="1">
+            <a:schemeClr val="accent1"/>
+          </a:lnRef>
+          <a:fillRef idx="0">
+            <a:schemeClr val="accent1"/>
+          </a:fillRef>
+          <a:effectRef idx="0">
+            <a:schemeClr val="accent1"/>
+          </a:effectRef>
+          <a:fontRef idx="minor">
+            <a:schemeClr val="tx1"/>
+          </a:fontRef>
+        </p:style>
+      </p:cxnSp>
+      <p:sp>
+        <p:nvSpPr>
+          <p:cNvPr id="54" name="제목 1">
+            <a:extLst>
+              <a:ext uri="{FF2B5EF4-FFF2-40B4-BE49-F238E27FC236}">
+                <a16:creationId xmlns:a16="http://schemas.microsoft.com/office/drawing/2014/main" id="{4C16CBE2-2EC6-4B57-95EF-B1A3F30BAAF0}"/>
+              </a:ext>
+            </a:extLst>
+          </p:cNvPr>
+          <p:cNvSpPr txBox="1">
+            <a:spLocks/>
+          </p:cNvSpPr>
+          <p:nvPr/>
+        </p:nvSpPr>
+        <p:spPr>
+          <a:xfrm flipH="1">
+            <a:off x="7787208" y="1577758"/>
+            <a:ext cx="1152702" cy="1162750"/>
+          </a:xfrm>
+          <a:prstGeom prst="rect">
+            <a:avLst/>
+          </a:prstGeom>
+        </p:spPr>
+        <p:txBody>
+          <a:bodyPr lIns="0" tIns="0" rIns="0" bIns="0" anchor="ctr"/>
+          <a:lstStyle>
+            <a:lvl1pPr algn="r" defTabSz="914400" rtl="0" eaLnBrk="1" latinLnBrk="1" hangingPunct="1">
+              <a:lnSpc>
+                <a:spcPct val="90000"/>
+              </a:lnSpc>
+              <a:spcBef>
+                <a:spcPct val="0"/>
+              </a:spcBef>
+              <a:buNone/>
+              <a:defRPr sz="2000" b="0" i="0" kern="1200">
+                <a:solidFill>
+                  <a:schemeClr val="bg1"/>
+                </a:solidFill>
+                <a:latin typeface="+mj-lt"/>
+                <a:ea typeface="빛의 계승자 Bold" panose="020B0600000101010101"/>
+                <a:cs typeface="+mj-cs"/>
+              </a:defRPr>
+            </a:lvl1pPr>
+          </a:lstStyle>
+          <a:p>
+            <a:pPr marL="0" marR="0" lvl="0" indent="0" algn="l" defTabSz="914400" rtl="0" eaLnBrk="1" fontAlgn="auto" latinLnBrk="1" hangingPunct="1">
+              <a:lnSpc>
+                <a:spcPct val="100000"/>
+              </a:lnSpc>
+              <a:spcBef>
+                <a:spcPts val="0"/>
+              </a:spcBef>
+              <a:spcAft>
+                <a:spcPts val="0"/>
+              </a:spcAft>
+              <a:buClrTx/>
+              <a:buSzTx/>
+              <a:buFontTx/>
+              <a:buNone/>
+              <a:tabLst/>
+              <a:defRPr/>
+            </a:pPr>
+            <a:r>
+              <a:rPr lang="ko-KR" altLang="en-US" sz="1050" dirty="0" err="1">
+                <a:solidFill>
+                  <a:schemeClr val="tx1"/>
+                </a:solidFill>
+                <a:latin typeface="나눔스퀘어_ac Light" panose="020B0600000101010101" pitchFamily="50" charset="-127"/>
+                <a:ea typeface="나눔스퀘어_ac Light" panose="020B0600000101010101" pitchFamily="50" charset="-127"/>
+                <a:cs typeface="+mn-cs"/>
+              </a:rPr>
+              <a:t>세실헤실</a:t>
+            </a:r>
+            <a:r>
+              <a:rPr lang="ko-KR" altLang="en-US" sz="1050" dirty="0">
+                <a:solidFill>
+                  <a:schemeClr val="tx1"/>
+                </a:solidFill>
+                <a:latin typeface="나눔스퀘어_ac Light" panose="020B0600000101010101" pitchFamily="50" charset="-127"/>
+                <a:ea typeface="나눔스퀘어_ac Light" panose="020B0600000101010101" pitchFamily="50" charset="-127"/>
+                <a:cs typeface="+mn-cs"/>
+              </a:rPr>
+              <a:t> 웃는 얼굴의 세균</a:t>
+            </a:r>
+            <a:r>
+              <a:rPr lang="en-US" altLang="ko-KR" sz="1050" dirty="0">
+                <a:solidFill>
+                  <a:schemeClr val="tx1"/>
+                </a:solidFill>
+                <a:latin typeface="나눔스퀘어_ac Light" panose="020B0600000101010101" pitchFamily="50" charset="-127"/>
+                <a:ea typeface="나눔스퀘어_ac Light" panose="020B0600000101010101" pitchFamily="50" charset="-127"/>
+                <a:cs typeface="+mn-cs"/>
+              </a:rPr>
+              <a:t>.</a:t>
+            </a:r>
+            <a:r>
+              <a:rPr lang="ko-KR" altLang="en-US" sz="1050" dirty="0">
+                <a:solidFill>
+                  <a:schemeClr val="tx1"/>
+                </a:solidFill>
+                <a:latin typeface="나눔스퀘어_ac Light" panose="020B0600000101010101" pitchFamily="50" charset="-127"/>
+                <a:ea typeface="나눔스퀘어_ac Light" panose="020B0600000101010101" pitchFamily="50" charset="-127"/>
+                <a:cs typeface="+mn-cs"/>
+              </a:rPr>
+              <a:t>누군가를 기다리는 듯 하다</a:t>
+            </a:r>
+            <a:r>
+              <a:rPr lang="en-US" altLang="ko-KR" sz="1050" dirty="0">
+                <a:solidFill>
+                  <a:schemeClr val="tx1"/>
+                </a:solidFill>
+                <a:latin typeface="나눔스퀘어_ac Light" panose="020B0600000101010101" pitchFamily="50" charset="-127"/>
+                <a:ea typeface="나눔스퀘어_ac Light" panose="020B0600000101010101" pitchFamily="50" charset="-127"/>
+                <a:cs typeface="+mn-cs"/>
+              </a:rPr>
+              <a:t>.</a:t>
+            </a:r>
+            <a:endParaRPr lang="en-US" altLang="ko-KR" dirty="0">
+              <a:solidFill>
+                <a:schemeClr val="tx1"/>
+              </a:solidFill>
+              <a:latin typeface="나눔스퀘어_ac Light" panose="020B0600000101010101" pitchFamily="50" charset="-127"/>
+              <a:ea typeface="나눔스퀘어_ac Light" panose="020B0600000101010101" pitchFamily="50" charset="-127"/>
+              <a:cs typeface="+mn-cs"/>
+            </a:endParaRPr>
+          </a:p>
+        </p:txBody>
+      </p:sp>
+      <p:pic>
+        <p:nvPicPr>
+          <p:cNvPr id="57" name="Picture 32">
+            <a:extLst>
+              <a:ext uri="{FF2B5EF4-FFF2-40B4-BE49-F238E27FC236}">
+                <a16:creationId xmlns:a16="http://schemas.microsoft.com/office/drawing/2014/main" id="{54A347BA-62A1-4892-A5F1-B1BBEFC30AED}"/>
+              </a:ext>
+            </a:extLst>
+          </p:cNvPr>
+          <p:cNvPicPr>
+            <a:picLocks noChangeAspect="1" noChangeArrowheads="1"/>
+          </p:cNvPicPr>
+          <p:nvPr/>
+        </p:nvPicPr>
+        <p:blipFill rotWithShape="1">
+          <a:blip r:embed="rId3">
+            <a:extLst>
+              <a:ext uri="{BEBA8EAE-BF5A-486C-A8C5-ECC9F3942E4B}">
+                <a14:imgProps xmlns:a14="http://schemas.microsoft.com/office/drawing/2010/main">
+                  <a14:imgLayer r:embed="rId4">
+                    <a14:imgEffect>
+                      <a14:backgroundRemoval t="9937" b="89973" l="9254" r="89986">
+                        <a14:foregroundMark x1="9876" y1="50136" x2="9254" y2="63505"/>
+                      </a14:backgroundRemoval>
+                    </a14:imgEffect>
+                  </a14:imgLayer>
+                </a14:imgProps>
+              </a:ext>
+              <a:ext uri="{28A0092B-C50C-407E-A947-70E740481C1C}">
+                <a14:useLocalDpi xmlns:a14="http://schemas.microsoft.com/office/drawing/2010/main" val="0"/>
+              </a:ext>
+            </a:extLst>
+          </a:blip>
+          <a:srcRect l="5993" t="10171" r="10235" b="9555"/>
+          <a:stretch/>
+        </p:blipFill>
+        <p:spPr bwMode="auto">
+          <a:xfrm rot="301438" flipH="1">
+            <a:off x="6436956" y="1653239"/>
+            <a:ext cx="1311361" cy="960647"/>
+          </a:xfrm>
+          <a:prstGeom prst="rect">
+            <a:avLst/>
+          </a:prstGeom>
+          <a:noFill/>
+          <a:extLst>
+            <a:ext uri="{909E8E84-426E-40DD-AFC4-6F175D3DCCD1}">
+              <a14:hiddenFill xmlns:a14="http://schemas.microsoft.com/office/drawing/2010/main">
+                <a:solidFill>
+                  <a:srgbClr val="FFFFFF"/>
+                </a:solidFill>
+              </a14:hiddenFill>
+            </a:ext>
+          </a:extLst>
+        </p:spPr>
+      </p:pic>
+      <p:sp>
+        <p:nvSpPr>
+          <p:cNvPr id="58" name="제목 1">
+            <a:extLst>
+              <a:ext uri="{FF2B5EF4-FFF2-40B4-BE49-F238E27FC236}">
+                <a16:creationId xmlns:a16="http://schemas.microsoft.com/office/drawing/2014/main" id="{B79F3F38-552F-4019-9714-A2C32BC96B5B}"/>
+              </a:ext>
+            </a:extLst>
+          </p:cNvPr>
+          <p:cNvSpPr txBox="1">
+            <a:spLocks/>
+          </p:cNvSpPr>
+          <p:nvPr/>
+        </p:nvSpPr>
+        <p:spPr>
+          <a:xfrm>
+            <a:off x="7173387" y="2747226"/>
+            <a:ext cx="1031995" cy="162218"/>
+          </a:xfrm>
+          <a:prstGeom prst="rect">
+            <a:avLst/>
+          </a:prstGeom>
+        </p:spPr>
+        <p:txBody>
+          <a:bodyPr lIns="0" tIns="0" rIns="0" bIns="0" anchor="t"/>
+          <a:lstStyle>
+            <a:lvl1pPr algn="r" defTabSz="914400" rtl="0" eaLnBrk="1" latinLnBrk="1" hangingPunct="1">
+              <a:lnSpc>
+                <a:spcPct val="90000"/>
+              </a:lnSpc>
+              <a:spcBef>
+                <a:spcPct val="0"/>
+              </a:spcBef>
+              <a:buNone/>
+              <a:defRPr sz="2000" b="0" i="0" kern="1200">
+                <a:solidFill>
+                  <a:schemeClr val="bg1"/>
+                </a:solidFill>
+                <a:latin typeface="+mj-lt"/>
+                <a:ea typeface="빛의 계승자 Bold" panose="020B0600000101010101"/>
+                <a:cs typeface="+mj-cs"/>
+              </a:defRPr>
+            </a:lvl1pPr>
+          </a:lstStyle>
+          <a:p>
+            <a:pPr algn="ctr">
+              <a:lnSpc>
+                <a:spcPct val="100000"/>
+              </a:lnSpc>
+              <a:spcBef>
+                <a:spcPts val="0"/>
+              </a:spcBef>
+              <a:defRPr/>
+            </a:pPr>
+            <a:r>
+              <a:rPr lang="ko-KR" altLang="en-US" sz="1400" b="1" dirty="0">
+                <a:solidFill>
+                  <a:schemeClr val="tx1"/>
+                </a:solidFill>
+                <a:latin typeface="나눔스퀘어_ac Light" panose="020B0600000101010101" pitchFamily="50" charset="-127"/>
+                <a:ea typeface="나눔스퀘어_ac Light" panose="020B0600000101010101" pitchFamily="50" charset="-127"/>
+                <a:cs typeface="+mn-cs"/>
+              </a:rPr>
+              <a:t>장착 효과</a:t>
+            </a:r>
+            <a:endParaRPr lang="en-US" altLang="ko-KR" sz="1400" b="1" dirty="0">
+              <a:solidFill>
+                <a:schemeClr val="tx1"/>
+              </a:solidFill>
+              <a:latin typeface="나눔스퀘어_ac Light" panose="020B0600000101010101" pitchFamily="50" charset="-127"/>
+              <a:ea typeface="나눔스퀘어_ac Light" panose="020B0600000101010101" pitchFamily="50" charset="-127"/>
+              <a:cs typeface="+mn-cs"/>
+            </a:endParaRPr>
+          </a:p>
+        </p:txBody>
+      </p:sp>
+    </p:spTree>
+    <p:extLst>
+      <p:ext uri="{BB962C8B-B14F-4D97-AF65-F5344CB8AC3E}">
+        <p14:creationId xmlns:p14="http://schemas.microsoft.com/office/powerpoint/2010/main" val="2551044094"/>
       </p:ext>
     </p:extLst>
   </p:cSld>
@@ -13317,8 +15965,8 @@
         </p:nvSpPr>
         <p:spPr>
           <a:xfrm>
-            <a:off x="276225" y="60960"/>
-            <a:ext cx="7105650" cy="510379"/>
+            <a:off x="276224" y="60960"/>
+            <a:ext cx="9709745" cy="510379"/>
           </a:xfrm>
           <a:prstGeom prst="rect">
             <a:avLst/>
@@ -14430,8 +17078,8 @@
         </p:nvSpPr>
         <p:spPr>
           <a:xfrm>
-            <a:off x="276225" y="60960"/>
-            <a:ext cx="7105650" cy="510379"/>
+            <a:off x="276224" y="60960"/>
+            <a:ext cx="8569009" cy="510379"/>
           </a:xfrm>
           <a:prstGeom prst="rect">
             <a:avLst/>
